--- a/Beginner/Strengths_of_IPMs/Strengths_of_IPMs.pptx
+++ b/Beginner/Strengths_of_IPMs/Strengths_of_IPMs.pptx
@@ -5,7 +5,7 @@
     <p:sldMasterId id="2147483960" r:id="rId1"/>
   </p:sldMasterIdLst>
   <p:notesMasterIdLst>
-    <p:notesMasterId r:id="rId26"/>
+    <p:notesMasterId r:id="rId28"/>
   </p:notesMasterIdLst>
   <p:sldIdLst>
     <p:sldId id="396" r:id="rId2"/>
@@ -17,21 +17,23 @@
     <p:sldId id="355" r:id="rId8"/>
     <p:sldId id="356" r:id="rId9"/>
     <p:sldId id="357" r:id="rId10"/>
-    <p:sldId id="393" r:id="rId11"/>
-    <p:sldId id="286" r:id="rId12"/>
-    <p:sldId id="394" r:id="rId13"/>
-    <p:sldId id="395" r:id="rId14"/>
-    <p:sldId id="360" r:id="rId15"/>
-    <p:sldId id="392" r:id="rId16"/>
-    <p:sldId id="332" r:id="rId17"/>
-    <p:sldId id="333" r:id="rId18"/>
-    <p:sldId id="334" r:id="rId19"/>
-    <p:sldId id="336" r:id="rId20"/>
-    <p:sldId id="401" r:id="rId21"/>
-    <p:sldId id="307" r:id="rId22"/>
-    <p:sldId id="399" r:id="rId23"/>
-    <p:sldId id="315" r:id="rId24"/>
-    <p:sldId id="400" r:id="rId25"/>
+    <p:sldId id="402" r:id="rId11"/>
+    <p:sldId id="403" r:id="rId12"/>
+    <p:sldId id="393" r:id="rId13"/>
+    <p:sldId id="286" r:id="rId14"/>
+    <p:sldId id="394" r:id="rId15"/>
+    <p:sldId id="395" r:id="rId16"/>
+    <p:sldId id="360" r:id="rId17"/>
+    <p:sldId id="392" r:id="rId18"/>
+    <p:sldId id="332" r:id="rId19"/>
+    <p:sldId id="333" r:id="rId20"/>
+    <p:sldId id="334" r:id="rId21"/>
+    <p:sldId id="336" r:id="rId22"/>
+    <p:sldId id="401" r:id="rId23"/>
+    <p:sldId id="307" r:id="rId24"/>
+    <p:sldId id="399" r:id="rId25"/>
+    <p:sldId id="315" r:id="rId26"/>
+    <p:sldId id="400" r:id="rId27"/>
   </p:sldIdLst>
   <p:sldSz cx="9144000" cy="6858000" type="screen4x3"/>
   <p:notesSz cx="6858000" cy="9144000"/>
@@ -214,7 +216,7 @@
           </a:lstStyle>
           <a:p>
             <a:fld id="{3D70866F-E5E2-F84F-9C8D-AC4C017CAC63}" type="datetimeFigureOut">
-              <a:t>4/19/15</a:t>
+              <a:t>8/5/15</a:t>
             </a:fld>
             <a:endParaRPr lang="en-US"/>
           </a:p>
@@ -524,21 +526,21 @@
           <a:bodyPr/>
           <a:lstStyle/>
           <a:p>
-            <a:r>
-              <a:rPr lang="en-US" dirty="0"/>
-              <a:t>It’s easy</a:t>
-            </a:r>
-          </a:p>
-          <a:p>
-            <a:r>
-              <a:rPr lang="en-US" dirty="0"/>
-              <a:t>loads of</a:t>
-            </a:r>
-            <a:r>
-              <a:rPr lang="en-US" baseline="0" dirty="0"/>
-              <a:t> established methods for fitting, making complex functions, and comparing models</a:t>
-            </a:r>
-            <a:endParaRPr lang="en-US" dirty="0"/>
+            <a:endParaRPr lang="en-US"/>
+          </a:p>
+          <a:p>
+            <a:endParaRPr lang="en-US"/>
+          </a:p>
+          <a:p>
+            <a:r>
+              <a:rPr lang="en-US"/>
+              <a:t>TODO:</a:t>
+            </a:r>
+            <a:r>
+              <a:rPr lang="en-US" baseline="0"/>
+              <a:t> add something about bias from discrete stages</a:t>
+            </a:r>
+            <a:endParaRPr lang="en-US"/>
           </a:p>
         </p:txBody>
       </p:sp>
@@ -559,16 +561,16 @@
           <a:p>
             <a:fld id="{741D0BA4-1D49-1541-BDE8-F31CF13CF403}" type="slidenum">
               <a:rPr lang="en-US"/>
-              <a:t>2</a:t>
+              <a:t>1</a:t>
             </a:fld>
-            <a:endParaRPr lang="en-US" dirty="0"/>
+            <a:endParaRPr lang="en-US"/>
           </a:p>
         </p:txBody>
       </p:sp>
     </p:spTree>
     <p:extLst>
       <p:ext uri="{BB962C8B-B14F-4D97-AF65-F5344CB8AC3E}">
-        <p14:creationId xmlns:p14="http://schemas.microsoft.com/office/powerpoint/2010/main" val="402736052"/>
+        <p14:creationId xmlns:p14="http://schemas.microsoft.com/office/powerpoint/2010/main" val="2873785071"/>
       </p:ext>
     </p:extLst>
   </p:cSld>
@@ -622,42 +624,34 @@
           <a:bodyPr/>
           <a:lstStyle/>
           <a:p>
-            <a:r>
-              <a:rPr lang="en-US" b="1" dirty="0"/>
-              <a:t>-Possible because we use multivariate regressions</a:t>
-            </a:r>
-          </a:p>
-          <a:p>
-            <a:r>
-              <a:rPr lang="en-US" b="1" dirty="0"/>
-              <a:t>- Not enough data from any one of these populations, but together..</a:t>
-            </a:r>
+            <a:pPr marL="0" marR="0" indent="0" algn="l" defTabSz="457200" rtl="0" eaLnBrk="1" fontAlgn="auto" latinLnBrk="0" hangingPunct="1">
+              <a:lnSpc>
+                <a:spcPct val="100000"/>
+              </a:lnSpc>
+              <a:spcBef>
+                <a:spcPts val="0"/>
+              </a:spcBef>
+              <a:spcAft>
+                <a:spcPts val="0"/>
+              </a:spcAft>
+              <a:buClrTx/>
+              <a:buSzTx/>
+              <a:buFontTx/>
+              <a:buNone/>
+              <a:tabLst/>
+              <a:defRPr/>
+            </a:pPr>
+            <a:r>
+              <a:rPr lang="en-US" b="1" dirty="0" smtClean="0"/>
+              <a:t>These</a:t>
+            </a:r>
+            <a:r>
+              <a:rPr lang="en-US" b="1" baseline="0" dirty="0" smtClean="0"/>
+              <a:t> are just regressions, so we can build them with environmental covariates and get different curves in different environments</a:t>
+            </a:r>
+          </a:p>
+          <a:p>
             <a:endParaRPr lang="en-US" dirty="0"/>
-          </a:p>
-          <a:p>
-            <a:r>
-              <a:rPr lang="en-US" b="1" dirty="0"/>
-              <a:t>-Example: Protea demography – monitor populations across range</a:t>
-            </a:r>
-            <a:r>
-              <a:rPr lang="en-US" b="1" baseline="0" dirty="0"/>
-              <a:t>, use env covariates, map vital rates</a:t>
-            </a:r>
-          </a:p>
-          <a:p>
-            <a:r>
-              <a:rPr lang="en-US" b="1" baseline="0" dirty="0"/>
-              <a:t>-5-10 individuals/ population but 30 or so populations</a:t>
-            </a:r>
-          </a:p>
-          <a:p>
-            <a:endParaRPr lang="en-US" baseline="0" dirty="0"/>
-          </a:p>
-          <a:p>
-            <a:r>
-              <a:rPr lang="en-US" baseline="0" dirty="0"/>
-              <a:t>When is it better to use env in standard regression, and when is it better to make the slope/intercept hierarchical across plots and make those random terms related to the environment?</a:t>
-            </a:r>
           </a:p>
         </p:txBody>
       </p:sp>
@@ -676,9 +670,9 @@
           <a:bodyPr/>
           <a:lstStyle/>
           <a:p>
-            <a:fld id="{5A084C09-802B-AA4D-A149-B4B9A2038697}" type="slidenum">
+            <a:fld id="{741D0BA4-1D49-1541-BDE8-F31CF13CF403}" type="slidenum">
               <a:rPr lang="en-US"/>
-              <a:t>11</a:t>
+              <a:t>12</a:t>
             </a:fld>
             <a:endParaRPr lang="en-US" dirty="0"/>
           </a:p>
@@ -687,7 +681,7 @@
     </p:spTree>
     <p:extLst>
       <p:ext uri="{BB962C8B-B14F-4D97-AF65-F5344CB8AC3E}">
-        <p14:creationId xmlns:p14="http://schemas.microsoft.com/office/powerpoint/2010/main" val="3390022834"/>
+        <p14:creationId xmlns:p14="http://schemas.microsoft.com/office/powerpoint/2010/main" val="2188846447"/>
       </p:ext>
     </p:extLst>
   </p:cSld>
@@ -741,54 +735,42 @@
           <a:bodyPr/>
           <a:lstStyle/>
           <a:p>
-            <a:pPr marL="0" marR="0" indent="0" algn="l" defTabSz="457200" rtl="0" eaLnBrk="1" fontAlgn="auto" latinLnBrk="0" hangingPunct="1">
-              <a:lnSpc>
-                <a:spcPct val="100000"/>
-              </a:lnSpc>
-              <a:spcBef>
-                <a:spcPts val="0"/>
-              </a:spcBef>
-              <a:spcAft>
-                <a:spcPts val="0"/>
-              </a:spcAft>
-              <a:buClrTx/>
-              <a:buSzTx/>
-              <a:buFontTx/>
-              <a:buNone/>
-              <a:tabLst/>
-              <a:defRPr/>
-            </a:pPr>
-            <a:r>
-              <a:rPr lang="en-US" b="1" baseline="0" dirty="0" smtClean="0"/>
-              <a:t>Maps of these quantities are another, more mechanistic way of looking at habitat suitability.</a:t>
-            </a:r>
-            <a:endParaRPr lang="en-US" b="1" dirty="0" smtClean="0"/>
-          </a:p>
-          <a:p>
-            <a:pPr marL="0" marR="0" indent="0" algn="l" defTabSz="457200" rtl="0" eaLnBrk="1" fontAlgn="auto" latinLnBrk="0" hangingPunct="1">
-              <a:lnSpc>
-                <a:spcPct val="100000"/>
-              </a:lnSpc>
-              <a:spcBef>
-                <a:spcPts val="0"/>
-              </a:spcBef>
-              <a:spcAft>
-                <a:spcPts val="0"/>
-              </a:spcAft>
-              <a:buClrTx/>
-              <a:buSzTx/>
-              <a:buFontTx/>
-              <a:buNone/>
-              <a:tabLst/>
-              <a:defRPr/>
-            </a:pPr>
-            <a:r>
-              <a:rPr lang="en-US" b="1" dirty="0" smtClean="0"/>
-              <a:t>Passage time good for harvest size or burn</a:t>
-            </a:r>
-          </a:p>
-          <a:p>
-            <a:endParaRPr lang="en-US" b="1" dirty="0"/>
+            <a:r>
+              <a:rPr lang="en-US" b="1" dirty="0"/>
+              <a:t>-Possible because we use multivariate regressions</a:t>
+            </a:r>
+          </a:p>
+          <a:p>
+            <a:r>
+              <a:rPr lang="en-US" b="1" dirty="0"/>
+              <a:t>- Not enough data from any one of these populations, but together..</a:t>
+            </a:r>
+            <a:endParaRPr lang="en-US" dirty="0"/>
+          </a:p>
+          <a:p>
+            <a:r>
+              <a:rPr lang="en-US" b="1" dirty="0"/>
+              <a:t>-Example: Protea demography – monitor populations across range</a:t>
+            </a:r>
+            <a:r>
+              <a:rPr lang="en-US" b="1" baseline="0" dirty="0"/>
+              <a:t>, use env covariates, map vital rates</a:t>
+            </a:r>
+          </a:p>
+          <a:p>
+            <a:r>
+              <a:rPr lang="en-US" b="1" baseline="0" dirty="0"/>
+              <a:t>-5-10 individuals/ population but 30 or so populations</a:t>
+            </a:r>
+          </a:p>
+          <a:p>
+            <a:endParaRPr lang="en-US" baseline="0" dirty="0"/>
+          </a:p>
+          <a:p>
+            <a:r>
+              <a:rPr lang="en-US" baseline="0" dirty="0"/>
+              <a:t>When is it better to use env in standard regression, and when is it better to make the slope/intercept hierarchical across plots and make those random terms related to the environment?</a:t>
+            </a:r>
           </a:p>
         </p:txBody>
       </p:sp>
@@ -808,8 +790,8 @@
           <a:lstStyle/>
           <a:p>
             <a:fld id="{5A084C09-802B-AA4D-A149-B4B9A2038697}" type="slidenum">
-              <a:rPr lang="en-US" smtClean="0"/>
-              <a:t>12</a:t>
+              <a:rPr lang="en-US"/>
+              <a:t>13</a:t>
             </a:fld>
             <a:endParaRPr lang="en-US" dirty="0"/>
           </a:p>
@@ -818,7 +800,7 @@
     </p:spTree>
     <p:extLst>
       <p:ext uri="{BB962C8B-B14F-4D97-AF65-F5344CB8AC3E}">
-        <p14:creationId xmlns:p14="http://schemas.microsoft.com/office/powerpoint/2010/main" val="2885978491"/>
+        <p14:creationId xmlns:p14="http://schemas.microsoft.com/office/powerpoint/2010/main" val="3390022834"/>
       </p:ext>
     </p:extLst>
   </p:cSld>
@@ -872,25 +854,54 @@
           <a:bodyPr/>
           <a:lstStyle/>
           <a:p>
-            <a:r>
-              <a:rPr lang="en-US" dirty="0" smtClean="0"/>
-              <a:t>Temporal</a:t>
-            </a:r>
-            <a:r>
-              <a:rPr lang="en-US" baseline="0" dirty="0" smtClean="0"/>
-              <a:t> dynamics,</a:t>
-            </a:r>
-          </a:p>
-          <a:p>
-            <a:r>
-              <a:rPr lang="en-US" baseline="0" dirty="0" smtClean="0"/>
-              <a:t>Mechanistic, so we can </a:t>
-            </a:r>
-            <a:r>
-              <a:rPr lang="en-US" baseline="0" smtClean="0"/>
-              <a:t>extrapolate better</a:t>
-            </a:r>
-            <a:endParaRPr lang="en-US"/>
+            <a:pPr marL="0" marR="0" indent="0" algn="l" defTabSz="457200" rtl="0" eaLnBrk="1" fontAlgn="auto" latinLnBrk="0" hangingPunct="1">
+              <a:lnSpc>
+                <a:spcPct val="100000"/>
+              </a:lnSpc>
+              <a:spcBef>
+                <a:spcPts val="0"/>
+              </a:spcBef>
+              <a:spcAft>
+                <a:spcPts val="0"/>
+              </a:spcAft>
+              <a:buClrTx/>
+              <a:buSzTx/>
+              <a:buFontTx/>
+              <a:buNone/>
+              <a:tabLst/>
+              <a:defRPr/>
+            </a:pPr>
+            <a:r>
+              <a:rPr lang="en-US" b="1" baseline="0" dirty="0" smtClean="0"/>
+              <a:t>Maps of these quantities are another, more mechanistic way of looking at habitat suitability.</a:t>
+            </a:r>
+            <a:endParaRPr lang="en-US" b="1" dirty="0" smtClean="0"/>
+          </a:p>
+          <a:p>
+            <a:pPr marL="0" marR="0" indent="0" algn="l" defTabSz="457200" rtl="0" eaLnBrk="1" fontAlgn="auto" latinLnBrk="0" hangingPunct="1">
+              <a:lnSpc>
+                <a:spcPct val="100000"/>
+              </a:lnSpc>
+              <a:spcBef>
+                <a:spcPts val="0"/>
+              </a:spcBef>
+              <a:spcAft>
+                <a:spcPts val="0"/>
+              </a:spcAft>
+              <a:buClrTx/>
+              <a:buSzTx/>
+              <a:buFontTx/>
+              <a:buNone/>
+              <a:tabLst/>
+              <a:defRPr/>
+            </a:pPr>
+            <a:r>
+              <a:rPr lang="en-US" b="1" dirty="0" smtClean="0"/>
+              <a:t>Passage time good for harvest size or burn</a:t>
+            </a:r>
+          </a:p>
+          <a:p>
+            <a:endParaRPr lang="en-US" b="1" dirty="0"/>
           </a:p>
         </p:txBody>
       </p:sp>
@@ -909,18 +920,18 @@
           <a:bodyPr/>
           <a:lstStyle/>
           <a:p>
-            <a:fld id="{741D0BA4-1D49-1541-BDE8-F31CF13CF403}" type="slidenum">
+            <a:fld id="{5A084C09-802B-AA4D-A149-B4B9A2038697}" type="slidenum">
               <a:rPr lang="en-US" smtClean="0"/>
-              <a:t>13</a:t>
+              <a:t>14</a:t>
             </a:fld>
-            <a:endParaRPr lang="en-US"/>
+            <a:endParaRPr lang="en-US" dirty="0"/>
           </a:p>
         </p:txBody>
       </p:sp>
     </p:spTree>
     <p:extLst>
       <p:ext uri="{BB962C8B-B14F-4D97-AF65-F5344CB8AC3E}">
-        <p14:creationId xmlns:p14="http://schemas.microsoft.com/office/powerpoint/2010/main" val="1043148469"/>
+        <p14:creationId xmlns:p14="http://schemas.microsoft.com/office/powerpoint/2010/main" val="2885978491"/>
       </p:ext>
     </p:extLst>
   </p:cSld>
@@ -975,14 +986,24 @@
           <a:lstStyle/>
           <a:p>
             <a:r>
-              <a:rPr lang="en-US" dirty="0"/>
-              <a:t>Can model survival</a:t>
-            </a:r>
-            <a:r>
-              <a:rPr lang="en-US" baseline="0" dirty="0"/>
-              <a:t> as a function of size, but can also model survival intercept as a function of environment</a:t>
-            </a:r>
-            <a:endParaRPr lang="en-US" dirty="0"/>
+              <a:rPr lang="en-US" dirty="0" smtClean="0"/>
+              <a:t>Temporal</a:t>
+            </a:r>
+            <a:r>
+              <a:rPr lang="en-US" baseline="0" dirty="0" smtClean="0"/>
+              <a:t> dynamics,</a:t>
+            </a:r>
+          </a:p>
+          <a:p>
+            <a:r>
+              <a:rPr lang="en-US" baseline="0" dirty="0" smtClean="0"/>
+              <a:t>Mechanistic, so we can </a:t>
+            </a:r>
+            <a:r>
+              <a:rPr lang="en-US" baseline="0" smtClean="0"/>
+              <a:t>extrapolate better</a:t>
+            </a:r>
+            <a:endParaRPr lang="en-US"/>
           </a:p>
         </p:txBody>
       </p:sp>
@@ -1002,17 +1023,17 @@
           <a:lstStyle/>
           <a:p>
             <a:fld id="{741D0BA4-1D49-1541-BDE8-F31CF13CF403}" type="slidenum">
-              <a:rPr lang="en-US"/>
-              <a:t>14</a:t>
+              <a:rPr lang="en-US" smtClean="0"/>
+              <a:t>15</a:t>
             </a:fld>
-            <a:endParaRPr lang="en-US" dirty="0"/>
+            <a:endParaRPr lang="en-US"/>
           </a:p>
         </p:txBody>
       </p:sp>
     </p:spTree>
     <p:extLst>
       <p:ext uri="{BB962C8B-B14F-4D97-AF65-F5344CB8AC3E}">
-        <p14:creationId xmlns:p14="http://schemas.microsoft.com/office/powerpoint/2010/main" val="2640764868"/>
+        <p14:creationId xmlns:p14="http://schemas.microsoft.com/office/powerpoint/2010/main" val="1043148469"/>
       </p:ext>
     </p:extLst>
   </p:cSld>
@@ -1066,17 +1087,14 @@
           <a:bodyPr/>
           <a:lstStyle/>
           <a:p>
-            <a:pPr lvl="1">
-              <a:lnSpc>
-                <a:spcPct val="140000"/>
-              </a:lnSpc>
-            </a:pPr>
             <a:r>
               <a:rPr lang="en-US" dirty="0"/>
-              <a:t>Account for changes across all sizes simultaneously</a:t>
-            </a:r>
-          </a:p>
-          <a:p>
+              <a:t>Can model survival</a:t>
+            </a:r>
+            <a:r>
+              <a:rPr lang="en-US" baseline="0" dirty="0"/>
+              <a:t> as a function of size, but can also model survival intercept as a function of environment</a:t>
+            </a:r>
             <a:endParaRPr lang="en-US" dirty="0"/>
           </a:p>
         </p:txBody>
@@ -1098,7 +1116,7 @@
           <a:p>
             <a:fld id="{741D0BA4-1D49-1541-BDE8-F31CF13CF403}" type="slidenum">
               <a:rPr lang="en-US"/>
-              <a:t>21</a:t>
+              <a:t>16</a:t>
             </a:fld>
             <a:endParaRPr lang="en-US" dirty="0"/>
           </a:p>
@@ -1107,7 +1125,7 @@
     </p:spTree>
     <p:extLst>
       <p:ext uri="{BB962C8B-B14F-4D97-AF65-F5344CB8AC3E}">
-        <p14:creationId xmlns:p14="http://schemas.microsoft.com/office/powerpoint/2010/main" val="569865955"/>
+        <p14:creationId xmlns:p14="http://schemas.microsoft.com/office/powerpoint/2010/main" val="2640764868"/>
       </p:ext>
     </p:extLst>
   </p:cSld>
@@ -1161,6 +1179,101 @@
           <a:bodyPr/>
           <a:lstStyle/>
           <a:p>
+            <a:pPr lvl="1">
+              <a:lnSpc>
+                <a:spcPct val="140000"/>
+              </a:lnSpc>
+            </a:pPr>
+            <a:r>
+              <a:rPr lang="en-US" dirty="0"/>
+              <a:t>Account for changes across all sizes simultaneously</a:t>
+            </a:r>
+          </a:p>
+          <a:p>
+            <a:endParaRPr lang="en-US" dirty="0"/>
+          </a:p>
+        </p:txBody>
+      </p:sp>
+      <p:sp>
+        <p:nvSpPr>
+          <p:cNvPr id="4" name="Slide Number Placeholder 3"/>
+          <p:cNvSpPr>
+            <a:spLocks noGrp="1"/>
+          </p:cNvSpPr>
+          <p:nvPr>
+            <p:ph type="sldNum" sz="quarter" idx="10"/>
+          </p:nvPr>
+        </p:nvSpPr>
+        <p:spPr/>
+        <p:txBody>
+          <a:bodyPr/>
+          <a:lstStyle/>
+          <a:p>
+            <a:fld id="{741D0BA4-1D49-1541-BDE8-F31CF13CF403}" type="slidenum">
+              <a:rPr lang="en-US"/>
+              <a:t>23</a:t>
+            </a:fld>
+            <a:endParaRPr lang="en-US" dirty="0"/>
+          </a:p>
+        </p:txBody>
+      </p:sp>
+    </p:spTree>
+    <p:extLst>
+      <p:ext uri="{BB962C8B-B14F-4D97-AF65-F5344CB8AC3E}">
+        <p14:creationId xmlns:p14="http://schemas.microsoft.com/office/powerpoint/2010/main" val="569865955"/>
+      </p:ext>
+    </p:extLst>
+  </p:cSld>
+  <p:clrMapOvr>
+    <a:masterClrMapping/>
+  </p:clrMapOvr>
+</p:notes>
+</file>
+
+<file path=ppt/notesSlides/notesSlide16.xml><?xml version="1.0" encoding="utf-8"?>
+<p:notes xmlns:a="http://schemas.openxmlformats.org/drawingml/2006/main" xmlns:r="http://schemas.openxmlformats.org/officeDocument/2006/relationships" xmlns:p="http://schemas.openxmlformats.org/presentationml/2006/main">
+  <p:cSld>
+    <p:spTree>
+      <p:nvGrpSpPr>
+        <p:cNvPr id="1" name=""/>
+        <p:cNvGrpSpPr/>
+        <p:nvPr/>
+      </p:nvGrpSpPr>
+      <p:grpSpPr>
+        <a:xfrm>
+          <a:off x="0" y="0"/>
+          <a:ext cx="0" cy="0"/>
+          <a:chOff x="0" y="0"/>
+          <a:chExt cx="0" cy="0"/>
+        </a:xfrm>
+      </p:grpSpPr>
+      <p:sp>
+        <p:nvSpPr>
+          <p:cNvPr id="2" name="Slide Image Placeholder 1"/>
+          <p:cNvSpPr>
+            <a:spLocks noGrp="1" noRot="1" noChangeAspect="1"/>
+          </p:cNvSpPr>
+          <p:nvPr>
+            <p:ph type="sldImg"/>
+          </p:nvPr>
+        </p:nvSpPr>
+        <p:spPr/>
+      </p:sp>
+      <p:sp>
+        <p:nvSpPr>
+          <p:cNvPr id="3" name="Notes Placeholder 2"/>
+          <p:cNvSpPr>
+            <a:spLocks noGrp="1"/>
+          </p:cNvSpPr>
+          <p:nvPr>
+            <p:ph type="body" idx="1"/>
+          </p:nvPr>
+        </p:nvSpPr>
+        <p:spPr/>
+        <p:txBody>
+          <a:bodyPr/>
+          <a:lstStyle/>
+          <a:p>
             <a:pPr marL="0" marR="0" lvl="1" indent="0" algn="l" defTabSz="457200" rtl="0" eaLnBrk="1" fontAlgn="auto" latinLnBrk="0" hangingPunct="1">
               <a:lnSpc>
                 <a:spcPct val="100000"/>
@@ -1213,7 +1326,7 @@
           <a:p>
             <a:fld id="{741D0BA4-1D49-1541-BDE8-F31CF13CF403}" type="slidenum">
               <a:rPr lang="en-US"/>
-              <a:t>23</a:t>
+              <a:t>25</a:t>
             </a:fld>
             <a:endParaRPr lang="en-US" dirty="0"/>
           </a:p>
@@ -1276,74 +1389,21 @@
           <a:bodyPr/>
           <a:lstStyle/>
           <a:p>
-            <a:pPr marL="0" marR="0" indent="0" algn="l" defTabSz="457200" rtl="0" eaLnBrk="1" fontAlgn="auto" latinLnBrk="0" hangingPunct="1">
-              <a:lnSpc>
-                <a:spcPct val="100000"/>
-              </a:lnSpc>
-              <a:spcBef>
-                <a:spcPts val="0"/>
-              </a:spcBef>
-              <a:spcAft>
-                <a:spcPts val="0"/>
-              </a:spcAft>
-              <a:buClrTx/>
-              <a:buSzTx/>
-              <a:buFontTx/>
-              <a:buNone/>
-              <a:tabLst/>
-              <a:defRPr/>
-            </a:pPr>
-            <a:r>
-              <a:rPr lang="en-US" b="1" dirty="0"/>
-              <a:t>-Compared to matrix models, an ipm should produce more robust parameter estimates if more samples affect each parameter</a:t>
-            </a:r>
-          </a:p>
-          <a:p>
-            <a:pPr marL="0" marR="0" indent="0" algn="l" defTabSz="457200" rtl="0" eaLnBrk="1" fontAlgn="auto" latinLnBrk="0" hangingPunct="1">
-              <a:lnSpc>
-                <a:spcPct val="100000"/>
-              </a:lnSpc>
-              <a:spcBef>
-                <a:spcPts val="0"/>
-              </a:spcBef>
-              <a:spcAft>
-                <a:spcPts val="0"/>
-              </a:spcAft>
-              <a:buClrTx/>
-              <a:buSzTx/>
-              <a:buFontTx/>
-              <a:buNone/>
-              <a:tabLst/>
-              <a:defRPr/>
-            </a:pPr>
-            <a:r>
-              <a:rPr lang="en-US" b="1" dirty="0"/>
-              <a:t>-If</a:t>
-            </a:r>
-            <a:r>
-              <a:rPr lang="en-US" b="1" baseline="0" dirty="0"/>
-              <a:t> I used the background grid to discretize the model and make a matrix, I’d need 19 parameters, whereas an IPM does the same thing at heigher resolution with only 5 parameters</a:t>
-            </a:r>
-          </a:p>
-          <a:p>
-            <a:pPr marL="0" marR="0" indent="0" algn="l" defTabSz="457200" rtl="0" eaLnBrk="1" fontAlgn="auto" latinLnBrk="0" hangingPunct="1">
-              <a:lnSpc>
-                <a:spcPct val="100000"/>
-              </a:lnSpc>
-              <a:spcBef>
-                <a:spcPts val="0"/>
-              </a:spcBef>
-              <a:spcAft>
-                <a:spcPts val="0"/>
-              </a:spcAft>
-              <a:buClrTx/>
-              <a:buSzTx/>
-              <a:buFontTx/>
-              <a:buNone/>
-              <a:tabLst/>
-              <a:defRPr/>
-            </a:pPr>
-            <a:endParaRPr lang="en-US" b="1" dirty="0"/>
+            <a:r>
+              <a:rPr lang="en-US" dirty="0"/>
+              <a:t>It’s easy</a:t>
+            </a:r>
+          </a:p>
+          <a:p>
+            <a:r>
+              <a:rPr lang="en-US" dirty="0"/>
+              <a:t>loads of</a:t>
+            </a:r>
+            <a:r>
+              <a:rPr lang="en-US" baseline="0" dirty="0"/>
+              <a:t> established methods for fitting, making complex functions, and comparing models</a:t>
+            </a:r>
+            <a:endParaRPr lang="en-US" dirty="0"/>
           </a:p>
         </p:txBody>
       </p:sp>
@@ -1362,9 +1422,9 @@
           <a:bodyPr/>
           <a:lstStyle/>
           <a:p>
-            <a:fld id="{5A084C09-802B-AA4D-A149-B4B9A2038697}" type="slidenum">
+            <a:fld id="{741D0BA4-1D49-1541-BDE8-F31CF13CF403}" type="slidenum">
               <a:rPr lang="en-US"/>
-              <a:t>3</a:t>
+              <a:t>2</a:t>
             </a:fld>
             <a:endParaRPr lang="en-US" dirty="0"/>
           </a:p>
@@ -1373,7 +1433,7 @@
     </p:spTree>
     <p:extLst>
       <p:ext uri="{BB962C8B-B14F-4D97-AF65-F5344CB8AC3E}">
-        <p14:creationId xmlns:p14="http://schemas.microsoft.com/office/powerpoint/2010/main" val="3104440262"/>
+        <p14:creationId xmlns:p14="http://schemas.microsoft.com/office/powerpoint/2010/main" val="402736052"/>
       </p:ext>
     </p:extLst>
   </p:cSld>
@@ -1496,6 +1556,34 @@
             </a:pPr>
             <a:endParaRPr lang="en-US" b="1" dirty="0"/>
           </a:p>
+          <a:p>
+            <a:pPr marL="0" marR="0" indent="0" algn="l" defTabSz="457200" rtl="0" eaLnBrk="1" fontAlgn="auto" latinLnBrk="0" hangingPunct="1">
+              <a:lnSpc>
+                <a:spcPct val="100000"/>
+              </a:lnSpc>
+              <a:spcBef>
+                <a:spcPts val="0"/>
+              </a:spcBef>
+              <a:spcAft>
+                <a:spcPts val="0"/>
+              </a:spcAft>
+              <a:buClrTx/>
+              <a:buSzTx/>
+              <a:buFontTx/>
+              <a:buNone/>
+              <a:tabLst/>
+              <a:defRPr/>
+            </a:pPr>
+            <a:r>
+              <a:rPr lang="en-US" b="0" dirty="0"/>
+              <a:t>TODO: add figures of stuff I use</a:t>
+            </a:r>
+            <a:r>
+              <a:rPr lang="en-US" b="0" baseline="0" dirty="0"/>
+              <a:t> more</a:t>
+            </a:r>
+            <a:endParaRPr lang="en-US" b="0" dirty="0"/>
+          </a:p>
         </p:txBody>
       </p:sp>
       <p:sp>
@@ -1515,7 +1603,7 @@
           <a:p>
             <a:fld id="{5A084C09-802B-AA4D-A149-B4B9A2038697}" type="slidenum">
               <a:rPr lang="en-US"/>
-              <a:t>4</a:t>
+              <a:t>3</a:t>
             </a:fld>
             <a:endParaRPr lang="en-US" dirty="0"/>
           </a:p>
@@ -1666,7 +1754,7 @@
           <a:p>
             <a:fld id="{5A084C09-802B-AA4D-A149-B4B9A2038697}" type="slidenum">
               <a:rPr lang="en-US"/>
-              <a:t>5</a:t>
+              <a:t>4</a:t>
             </a:fld>
             <a:endParaRPr lang="en-US" dirty="0"/>
           </a:p>
@@ -1817,7 +1905,7 @@
           <a:p>
             <a:fld id="{5A084C09-802B-AA4D-A149-B4B9A2038697}" type="slidenum">
               <a:rPr lang="en-US"/>
-              <a:t>6</a:t>
+              <a:t>5</a:t>
             </a:fld>
             <a:endParaRPr lang="en-US" dirty="0"/>
           </a:p>
@@ -1968,7 +2056,7 @@
           <a:p>
             <a:fld id="{5A084C09-802B-AA4D-A149-B4B9A2038697}" type="slidenum">
               <a:rPr lang="en-US"/>
-              <a:t>7</a:t>
+              <a:t>6</a:t>
             </a:fld>
             <a:endParaRPr lang="en-US" dirty="0"/>
           </a:p>
@@ -2119,7 +2207,7 @@
           <a:p>
             <a:fld id="{5A084C09-802B-AA4D-A149-B4B9A2038697}" type="slidenum">
               <a:rPr lang="en-US"/>
-              <a:t>8</a:t>
+              <a:t>7</a:t>
             </a:fld>
             <a:endParaRPr lang="en-US" dirty="0"/>
           </a:p>
@@ -2182,34 +2270,73 @@
           <a:bodyPr/>
           <a:lstStyle/>
           <a:p>
+            <a:pPr marL="0" marR="0" indent="0" algn="l" defTabSz="457200" rtl="0" eaLnBrk="1" fontAlgn="auto" latinLnBrk="0" hangingPunct="1">
+              <a:lnSpc>
+                <a:spcPct val="100000"/>
+              </a:lnSpc>
+              <a:spcBef>
+                <a:spcPts val="0"/>
+              </a:spcBef>
+              <a:spcAft>
+                <a:spcPts val="0"/>
+              </a:spcAft>
+              <a:buClrTx/>
+              <a:buSzTx/>
+              <a:buFontTx/>
+              <a:buNone/>
+              <a:tabLst/>
+              <a:defRPr/>
+            </a:pPr>
             <a:r>
               <a:rPr lang="en-US" b="1" dirty="0"/>
-              <a:t>-relatedly, we can </a:t>
-            </a:r>
-            <a:r>
-              <a:rPr lang="en-US" b="1" dirty="0" smtClean="0"/>
-              <a:t>borrow </a:t>
-            </a:r>
+              <a:t>-Compared to matrix models, an ipm should produce more robust parameter estimates if more samples affect each parameter</a:t>
+            </a:r>
+          </a:p>
+          <a:p>
+            <a:pPr marL="0" marR="0" indent="0" algn="l" defTabSz="457200" rtl="0" eaLnBrk="1" fontAlgn="auto" latinLnBrk="0" hangingPunct="1">
+              <a:lnSpc>
+                <a:spcPct val="100000"/>
+              </a:lnSpc>
+              <a:spcBef>
+                <a:spcPts val="0"/>
+              </a:spcBef>
+              <a:spcAft>
+                <a:spcPts val="0"/>
+              </a:spcAft>
+              <a:buClrTx/>
+              <a:buSzTx/>
+              <a:buFontTx/>
+              <a:buNone/>
+              <a:tabLst/>
+              <a:defRPr/>
+            </a:pPr>
             <a:r>
               <a:rPr lang="en-US" b="1" dirty="0"/>
-              <a:t>strength</a:t>
+              <a:t>-If</a:t>
             </a:r>
             <a:r>
               <a:rPr lang="en-US" b="1" baseline="0" dirty="0"/>
-              <a:t> across stages</a:t>
-            </a:r>
-          </a:p>
-          <a:p>
-            <a:r>
-              <a:rPr lang="en-US" b="1" baseline="0" dirty="0"/>
-              <a:t>- with a little knowldege of the species, often pretty clear what will happen in the middle</a:t>
-            </a:r>
-          </a:p>
-          <a:p>
-            <a:r>
-              <a:rPr lang="en-US" b="1" baseline="0" dirty="0"/>
-              <a:t>-less clear what should happen for larger sizes</a:t>
-            </a:r>
+              <a:t> I used the background grid to discretize the model and make a matrix, I’d need 19 parameters, whereas an IPM does the same thing at heigher resolution with only 5 parameters</a:t>
+            </a:r>
+          </a:p>
+          <a:p>
+            <a:pPr marL="0" marR="0" indent="0" algn="l" defTabSz="457200" rtl="0" eaLnBrk="1" fontAlgn="auto" latinLnBrk="0" hangingPunct="1">
+              <a:lnSpc>
+                <a:spcPct val="100000"/>
+              </a:lnSpc>
+              <a:spcBef>
+                <a:spcPts val="0"/>
+              </a:spcBef>
+              <a:spcAft>
+                <a:spcPts val="0"/>
+              </a:spcAft>
+              <a:buClrTx/>
+              <a:buSzTx/>
+              <a:buFontTx/>
+              <a:buNone/>
+              <a:tabLst/>
+              <a:defRPr/>
+            </a:pPr>
             <a:endParaRPr lang="en-US" b="1" dirty="0"/>
           </a:p>
         </p:txBody>
@@ -2231,7 +2358,7 @@
           <a:p>
             <a:fld id="{5A084C09-802B-AA4D-A149-B4B9A2038697}" type="slidenum">
               <a:rPr lang="en-US"/>
-              <a:t>9</a:t>
+              <a:t>8</a:t>
             </a:fld>
             <a:endParaRPr lang="en-US" dirty="0"/>
           </a:p>
@@ -2240,7 +2367,7 @@
     </p:spTree>
     <p:extLst>
       <p:ext uri="{BB962C8B-B14F-4D97-AF65-F5344CB8AC3E}">
-        <p14:creationId xmlns:p14="http://schemas.microsoft.com/office/powerpoint/2010/main" val="717032137"/>
+        <p14:creationId xmlns:p14="http://schemas.microsoft.com/office/powerpoint/2010/main" val="3104440262"/>
       </p:ext>
     </p:extLst>
   </p:cSld>
@@ -2294,34 +2421,35 @@
           <a:bodyPr/>
           <a:lstStyle/>
           <a:p>
-            <a:pPr marL="0" marR="0" indent="0" algn="l" defTabSz="457200" rtl="0" eaLnBrk="1" fontAlgn="auto" latinLnBrk="0" hangingPunct="1">
-              <a:lnSpc>
-                <a:spcPct val="100000"/>
-              </a:lnSpc>
-              <a:spcBef>
-                <a:spcPts val="0"/>
-              </a:spcBef>
-              <a:spcAft>
-                <a:spcPts val="0"/>
-              </a:spcAft>
-              <a:buClrTx/>
-              <a:buSzTx/>
-              <a:buFontTx/>
-              <a:buNone/>
-              <a:tabLst/>
-              <a:defRPr/>
-            </a:pPr>
+            <a:r>
+              <a:rPr lang="en-US" b="1" dirty="0"/>
+              <a:t>-relatedly, we can </a:t>
+            </a:r>
             <a:r>
               <a:rPr lang="en-US" b="1" dirty="0" smtClean="0"/>
-              <a:t>These</a:t>
-            </a:r>
-            <a:r>
-              <a:rPr lang="en-US" b="1" baseline="0" dirty="0" smtClean="0"/>
-              <a:t> are just regressions, so we can build them with environmental covariates and get different curves in different environments</a:t>
-            </a:r>
-          </a:p>
-          <a:p>
-            <a:endParaRPr lang="en-US" dirty="0"/>
+              <a:t>borrow </a:t>
+            </a:r>
+            <a:r>
+              <a:rPr lang="en-US" b="1" dirty="0"/>
+              <a:t>strength</a:t>
+            </a:r>
+            <a:r>
+              <a:rPr lang="en-US" b="1" baseline="0" dirty="0"/>
+              <a:t> across stages</a:t>
+            </a:r>
+          </a:p>
+          <a:p>
+            <a:r>
+              <a:rPr lang="en-US" b="1" baseline="0" dirty="0"/>
+              <a:t>- with a little knowldege of the species, often pretty clear what will happen in the middle</a:t>
+            </a:r>
+          </a:p>
+          <a:p>
+            <a:r>
+              <a:rPr lang="en-US" b="1" baseline="0" dirty="0"/>
+              <a:t>-less clear what should happen for larger sizes</a:t>
+            </a:r>
+            <a:endParaRPr lang="en-US" b="1" dirty="0"/>
           </a:p>
         </p:txBody>
       </p:sp>
@@ -2340,9 +2468,9 @@
           <a:bodyPr/>
           <a:lstStyle/>
           <a:p>
-            <a:fld id="{741D0BA4-1D49-1541-BDE8-F31CF13CF403}" type="slidenum">
+            <a:fld id="{5A084C09-802B-AA4D-A149-B4B9A2038697}" type="slidenum">
               <a:rPr lang="en-US"/>
-              <a:t>10</a:t>
+              <a:t>9</a:t>
             </a:fld>
             <a:endParaRPr lang="en-US" dirty="0"/>
           </a:p>
@@ -2351,7 +2479,7 @@
     </p:spTree>
     <p:extLst>
       <p:ext uri="{BB962C8B-B14F-4D97-AF65-F5344CB8AC3E}">
-        <p14:creationId xmlns:p14="http://schemas.microsoft.com/office/powerpoint/2010/main" val="2188846447"/>
+        <p14:creationId xmlns:p14="http://schemas.microsoft.com/office/powerpoint/2010/main" val="717032137"/>
       </p:ext>
     </p:extLst>
   </p:cSld>
@@ -2549,7 +2677,7 @@
           <a:p>
             <a:fld id="{C8A432C8-69A7-458B-9684-2BFA64B31948}" type="datetime2">
               <a:rPr lang="en-US" smtClean="0"/>
-              <a:t>Sunday, April 19, 15</a:t>
+              <a:t>Wednesday, August 5, 15</a:t>
             </a:fld>
             <a:endParaRPr lang="en-US"/>
           </a:p>
@@ -2751,7 +2879,7 @@
           <a:p>
             <a:fld id="{8CC057FC-95B6-4D89-AFDA-ABA33EE921E5}" type="datetime2">
               <a:rPr lang="en-US" smtClean="0"/>
-              <a:t>Sunday, April 19, 15</a:t>
+              <a:t>Wednesday, August 5, 15</a:t>
             </a:fld>
             <a:endParaRPr lang="en-US"/>
           </a:p>
@@ -2928,7 +3056,7 @@
           <a:p>
             <a:fld id="{EC4549AC-EB31-477F-92A9-B1988E232878}" type="datetime2">
               <a:rPr lang="en-US" smtClean="0"/>
-              <a:t>Sunday, April 19, 15</a:t>
+              <a:t>Wednesday, August 5, 15</a:t>
             </a:fld>
             <a:endParaRPr lang="en-US"/>
           </a:p>
@@ -3095,7 +3223,7 @@
           <a:p>
             <a:fld id="{6396A3A3-94A6-4E5B-AF39-173ACA3E61CC}" type="datetime2">
               <a:rPr lang="en-US" smtClean="0"/>
-              <a:t>Sunday, April 19, 15</a:t>
+              <a:t>Wednesday, August 5, 15</a:t>
             </a:fld>
             <a:endParaRPr lang="en-US"/>
           </a:p>
@@ -3345,7 +3473,7 @@
           <a:p>
             <a:fld id="{9933D019-A32C-4EAD-B8E6-DBDA699692FD}" type="datetime2">
               <a:rPr lang="en-US" smtClean="0"/>
-              <a:t>Sunday, April 19, 15</a:t>
+              <a:t>Wednesday, August 5, 15</a:t>
             </a:fld>
             <a:endParaRPr lang="en-US"/>
           </a:p>
@@ -3665,7 +3793,7 @@
           <a:p>
             <a:fld id="{CCEBA98F-560C-4997-81C4-81D4D9187EAB}" type="datetime2">
               <a:rPr lang="en-US" smtClean="0"/>
-              <a:t>Sunday, April 19, 15</a:t>
+              <a:t>Wednesday, August 5, 15</a:t>
             </a:fld>
             <a:endParaRPr lang="en-US"/>
           </a:p>
@@ -4133,7 +4261,7 @@
           <a:p>
             <a:fld id="{150972B2-CA5C-437D-87D0-8081271A9E4B}" type="datetime2">
               <a:rPr lang="en-US" smtClean="0"/>
-              <a:t>Sunday, April 19, 15</a:t>
+              <a:t>Wednesday, August 5, 15</a:t>
             </a:fld>
             <a:endParaRPr lang="en-US"/>
           </a:p>
@@ -4283,7 +4411,7 @@
           <a:p>
             <a:fld id="{79CD4847-11EF-4466-A8AD-85CDB7B49118}" type="datetime2">
               <a:rPr lang="en-US" smtClean="0"/>
-              <a:t>Sunday, April 19, 15</a:t>
+              <a:t>Wednesday, August 5, 15</a:t>
             </a:fld>
             <a:endParaRPr lang="en-US"/>
           </a:p>
@@ -4375,7 +4503,7 @@
           <a:p>
             <a:fld id="{F168457A-3AB9-4880-8A0C-9F8524491207}" type="datetime2">
               <a:rPr lang="en-US" smtClean="0"/>
-              <a:t>Sunday, April 19, 15</a:t>
+              <a:t>Wednesday, August 5, 15</a:t>
             </a:fld>
             <a:endParaRPr lang="en-US"/>
           </a:p>
@@ -4651,7 +4779,7 @@
           <a:p>
             <a:fld id="{3FE976D3-5B7F-4300-ABED-C91F1B2AE209}" type="datetime2">
               <a:rPr lang="en-US" smtClean="0"/>
-              <a:t>Sunday, April 19, 15</a:t>
+              <a:t>Wednesday, August 5, 15</a:t>
             </a:fld>
             <a:endParaRPr lang="en-US"/>
           </a:p>
@@ -4958,7 +5086,7 @@
           <a:p>
             <a:fld id="{EBDC1E59-17DD-41CE-97CA-624A472382D4}" type="datetime2">
               <a:rPr lang="en-US" smtClean="0"/>
-              <a:t>Sunday, April 19, 15</a:t>
+              <a:t>Wednesday, August 5, 15</a:t>
             </a:fld>
             <a:endParaRPr lang="en-US"/>
           </a:p>
@@ -5258,7 +5386,7 @@
           <a:p>
             <a:fld id="{A80CB818-7379-467D-8E76-EF9D9074A26C}" type="datetime2">
               <a:rPr lang="en-US" smtClean="0"/>
-              <a:t>Sunday, April 19, 15</a:t>
+              <a:t>Wednesday, August 5, 15</a:t>
             </a:fld>
             <a:endParaRPr lang="en-US" dirty="0"/>
           </a:p>
@@ -5862,7 +5990,7 @@
           <p:nvPr/>
         </p:nvPicPr>
         <p:blipFill rotWithShape="1">
-          <a:blip r:embed="rId2">
+          <a:blip r:embed="rId3">
             <a:extLst>
               <a:ext uri="{28A0092B-C50C-407E-A947-70E740481C1C}">
                 <a14:useLocalDpi xmlns:a14="http://schemas.microsoft.com/office/drawing/2010/main" val="0"/>
@@ -6010,6 +6138,510 @@
 </file>
 
 <file path=ppt/slides/slide10.xml><?xml version="1.0" encoding="utf-8"?>
+<p:sld xmlns:a="http://schemas.openxmlformats.org/drawingml/2006/main" xmlns:r="http://schemas.openxmlformats.org/officeDocument/2006/relationships" xmlns:p="http://schemas.openxmlformats.org/presentationml/2006/main">
+  <p:cSld>
+    <p:spTree>
+      <p:nvGrpSpPr>
+        <p:cNvPr id="1" name=""/>
+        <p:cNvGrpSpPr/>
+        <p:nvPr/>
+      </p:nvGrpSpPr>
+      <p:grpSpPr>
+        <a:xfrm>
+          <a:off x="0" y="0"/>
+          <a:ext cx="0" cy="0"/>
+          <a:chOff x="0" y="0"/>
+          <a:chExt cx="0" cy="0"/>
+        </a:xfrm>
+      </p:grpSpPr>
+      <p:sp>
+        <p:nvSpPr>
+          <p:cNvPr id="2" name="Title 1"/>
+          <p:cNvSpPr>
+            <a:spLocks noGrp="1"/>
+          </p:cNvSpPr>
+          <p:nvPr>
+            <p:ph type="title"/>
+          </p:nvPr>
+        </p:nvSpPr>
+        <p:spPr/>
+        <p:txBody>
+          <a:bodyPr/>
+          <a:lstStyle/>
+          <a:p>
+            <a:r>
+              <a:rPr lang="en-US"/>
+              <a:t>Including heterogenity</a:t>
+            </a:r>
+          </a:p>
+        </p:txBody>
+      </p:sp>
+      <p:pic>
+        <p:nvPicPr>
+          <p:cNvPr id="4" name="Picture 3" descr="presentation fig 2.pdf"/>
+          <p:cNvPicPr>
+            <a:picLocks noChangeAspect="1"/>
+          </p:cNvPicPr>
+          <p:nvPr/>
+        </p:nvPicPr>
+        <p:blipFill rotWithShape="1">
+          <a:blip r:embed="rId3">
+            <a:extLst>
+              <a:ext uri="{28A0092B-C50C-407E-A947-70E740481C1C}">
+                <a14:useLocalDpi xmlns:a14="http://schemas.microsoft.com/office/drawing/2010/main" val="0"/>
+              </a:ext>
+            </a:extLst>
+          </a:blip>
+          <a:srcRect l="7311" r="19644" b="65795"/>
+          <a:stretch/>
+        </p:blipFill>
+        <p:spPr>
+          <a:xfrm>
+            <a:off x="2010725" y="1185303"/>
+            <a:ext cx="3707556" cy="4243888"/>
+          </a:xfrm>
+          <a:prstGeom prst="rect">
+            <a:avLst/>
+          </a:prstGeom>
+        </p:spPr>
+      </p:pic>
+      <p:pic>
+        <p:nvPicPr>
+          <p:cNvPr id="5" name="Picture 4" descr="presentation fig 2.pdf"/>
+          <p:cNvPicPr>
+            <a:picLocks noChangeAspect="1"/>
+          </p:cNvPicPr>
+          <p:nvPr/>
+        </p:nvPicPr>
+        <p:blipFill rotWithShape="1">
+          <a:blip r:embed="rId4">
+            <a:extLst>
+              <a:ext uri="{28A0092B-C50C-407E-A947-70E740481C1C}">
+                <a14:useLocalDpi xmlns:a14="http://schemas.microsoft.com/office/drawing/2010/main" val="0"/>
+              </a:ext>
+            </a:extLst>
+          </a:blip>
+          <a:srcRect r="91421" b="65360"/>
+          <a:stretch/>
+        </p:blipFill>
+        <p:spPr>
+          <a:xfrm>
+            <a:off x="1604008" y="1255003"/>
+            <a:ext cx="439535" cy="4338244"/>
+          </a:xfrm>
+          <a:prstGeom prst="rect">
+            <a:avLst/>
+          </a:prstGeom>
+        </p:spPr>
+      </p:pic>
+      <p:graphicFrame>
+        <p:nvGraphicFramePr>
+          <p:cNvPr id="6" name="Object 2"/>
+          <p:cNvGraphicFramePr>
+            <a:graphicFrameLocks noChangeAspect="1"/>
+          </p:cNvGraphicFramePr>
+          <p:nvPr>
+            <p:extLst>
+              <p:ext uri="{D42A27DB-BD31-4B8C-83A1-F6EECF244321}">
+                <p14:modId xmlns:p14="http://schemas.microsoft.com/office/powerpoint/2010/main" val="1555429962"/>
+              </p:ext>
+            </p:extLst>
+          </p:nvPr>
+        </p:nvGraphicFramePr>
+        <p:xfrm>
+          <a:off x="1881573" y="5431242"/>
+          <a:ext cx="3916362" cy="1116013"/>
+        </p:xfrm>
+        <a:graphic>
+          <a:graphicData uri="http://schemas.openxmlformats.org/presentationml/2006/ole">
+            <mc:AlternateContent xmlns:mc="http://schemas.openxmlformats.org/markup-compatibility/2006">
+              <mc:Choice xmlns:v="urn:schemas-microsoft-com:vml" Requires="v">
+                <p:oleObj spid="_x0000_s46083" name="Equation" r:id="rId5" imgW="1651000" imgH="469900" progId="Equation.3">
+                  <p:embed/>
+                </p:oleObj>
+              </mc:Choice>
+              <mc:Fallback>
+                <p:oleObj name="Equation" r:id="rId5" imgW="1651000" imgH="469900" progId="Equation.3">
+                  <p:embed/>
+                  <p:pic>
+                    <p:nvPicPr>
+                      <p:cNvPr id="0" name=""/>
+                      <p:cNvPicPr>
+                        <a:picLocks noChangeAspect="1" noChangeArrowheads="1"/>
+                      </p:cNvPicPr>
+                      <p:nvPr/>
+                    </p:nvPicPr>
+                    <p:blipFill>
+                      <a:blip r:embed="rId6"/>
+                      <a:srcRect/>
+                      <a:stretch>
+                        <a:fillRect/>
+                      </a:stretch>
+                    </p:blipFill>
+                    <p:spPr bwMode="auto">
+                      <a:xfrm>
+                        <a:off x="1881573" y="5431242"/>
+                        <a:ext cx="3916362" cy="1116013"/>
+                      </a:xfrm>
+                      <a:prstGeom prst="rect">
+                        <a:avLst/>
+                      </a:prstGeom>
+                      <a:noFill/>
+                      <a:extLst/>
+                    </p:spPr>
+                  </p:pic>
+                </p:oleObj>
+              </mc:Fallback>
+            </mc:AlternateContent>
+          </a:graphicData>
+        </a:graphic>
+      </p:graphicFrame>
+    </p:spTree>
+    <p:extLst>
+      <p:ext uri="{BB962C8B-B14F-4D97-AF65-F5344CB8AC3E}">
+        <p14:creationId xmlns:p14="http://schemas.microsoft.com/office/powerpoint/2010/main" val="2369296948"/>
+      </p:ext>
+    </p:extLst>
+  </p:cSld>
+  <p:clrMapOvr>
+    <a:masterClrMapping/>
+  </p:clrMapOvr>
+</p:sld>
+</file>
+
+<file path=ppt/slides/slide11.xml><?xml version="1.0" encoding="utf-8"?>
+<p:sld xmlns:a="http://schemas.openxmlformats.org/drawingml/2006/main" xmlns:r="http://schemas.openxmlformats.org/officeDocument/2006/relationships" xmlns:p="http://schemas.openxmlformats.org/presentationml/2006/main">
+  <p:cSld>
+    <p:spTree>
+      <p:nvGrpSpPr>
+        <p:cNvPr id="1" name=""/>
+        <p:cNvGrpSpPr/>
+        <p:nvPr/>
+      </p:nvGrpSpPr>
+      <p:grpSpPr>
+        <a:xfrm>
+          <a:off x="0" y="0"/>
+          <a:ext cx="0" cy="0"/>
+          <a:chOff x="0" y="0"/>
+          <a:chExt cx="0" cy="0"/>
+        </a:xfrm>
+      </p:grpSpPr>
+      <p:sp>
+        <p:nvSpPr>
+          <p:cNvPr id="2" name="Title 1"/>
+          <p:cNvSpPr>
+            <a:spLocks noGrp="1"/>
+          </p:cNvSpPr>
+          <p:nvPr>
+            <p:ph type="title"/>
+          </p:nvPr>
+        </p:nvSpPr>
+        <p:spPr/>
+        <p:txBody>
+          <a:bodyPr/>
+          <a:lstStyle/>
+          <a:p>
+            <a:r>
+              <a:rPr lang="en-US"/>
+              <a:t>Individual heterogeneity</a:t>
+            </a:r>
+          </a:p>
+        </p:txBody>
+      </p:sp>
+      <p:sp>
+        <p:nvSpPr>
+          <p:cNvPr id="4" name="TextBox 3"/>
+          <p:cNvSpPr txBox="1"/>
+          <p:nvPr/>
+        </p:nvSpPr>
+        <p:spPr>
+          <a:xfrm>
+            <a:off x="409222" y="2184439"/>
+            <a:ext cx="3418574" cy="830997"/>
+          </a:xfrm>
+          <a:prstGeom prst="rect">
+            <a:avLst/>
+          </a:prstGeom>
+          <a:solidFill>
+            <a:srgbClr val="D99294"/>
+          </a:solidFill>
+          <a:ln>
+            <a:solidFill>
+              <a:srgbClr val="979797"/>
+            </a:solidFill>
+          </a:ln>
+        </p:spPr>
+        <p:txBody>
+          <a:bodyPr wrap="none" rtlCol="0">
+            <a:spAutoFit/>
+          </a:bodyPr>
+          <a:lstStyle/>
+          <a:p>
+            <a:pPr algn="ctr"/>
+            <a:r>
+              <a:rPr lang="en-US" sz="2400"/>
+              <a:t>More structure in </a:t>
+            </a:r>
+          </a:p>
+          <a:p>
+            <a:pPr algn="ctr"/>
+            <a:r>
+              <a:rPr lang="en-US" sz="2400"/>
+              <a:t>individual heterogeneity</a:t>
+            </a:r>
+          </a:p>
+        </p:txBody>
+      </p:sp>
+      <p:pic>
+        <p:nvPicPr>
+          <p:cNvPr id="5" name="Picture 4" descr="PastedGraphic-2.png"/>
+          <p:cNvPicPr>
+            <a:picLocks noChangeAspect="1"/>
+          </p:cNvPicPr>
+          <p:nvPr/>
+        </p:nvPicPr>
+        <p:blipFill>
+          <a:blip r:embed="rId2">
+            <a:extLst>
+              <a:ext uri="{28A0092B-C50C-407E-A947-70E740481C1C}">
+                <a14:useLocalDpi xmlns:a14="http://schemas.microsoft.com/office/drawing/2010/main" val="0"/>
+              </a:ext>
+            </a:extLst>
+          </a:blip>
+          <a:stretch>
+            <a:fillRect/>
+          </a:stretch>
+        </p:blipFill>
+        <p:spPr>
+          <a:xfrm>
+            <a:off x="3875774" y="2599939"/>
+            <a:ext cx="5185128" cy="2403090"/>
+          </a:xfrm>
+          <a:prstGeom prst="rect">
+            <a:avLst/>
+          </a:prstGeom>
+        </p:spPr>
+      </p:pic>
+      <p:pic>
+        <p:nvPicPr>
+          <p:cNvPr id="6" name="Picture 5" descr="presentation fig 2.pdf"/>
+          <p:cNvPicPr>
+            <a:picLocks noChangeAspect="1"/>
+          </p:cNvPicPr>
+          <p:nvPr/>
+        </p:nvPicPr>
+        <p:blipFill rotWithShape="1">
+          <a:blip r:embed="rId3">
+            <a:extLst>
+              <a:ext uri="{28A0092B-C50C-407E-A947-70E740481C1C}">
+                <a14:useLocalDpi xmlns:a14="http://schemas.microsoft.com/office/drawing/2010/main" val="0"/>
+              </a:ext>
+            </a:extLst>
+          </a:blip>
+          <a:srcRect l="7311" r="19644" b="65795"/>
+          <a:stretch/>
+        </p:blipFill>
+        <p:spPr>
+          <a:xfrm>
+            <a:off x="1272627" y="3180624"/>
+            <a:ext cx="1592094" cy="1822405"/>
+          </a:xfrm>
+          <a:prstGeom prst="rect">
+            <a:avLst/>
+          </a:prstGeom>
+        </p:spPr>
+      </p:pic>
+      <p:cxnSp>
+        <p:nvCxnSpPr>
+          <p:cNvPr id="7" name="Straight Arrow Connector 6"/>
+          <p:cNvCxnSpPr/>
+          <p:nvPr/>
+        </p:nvCxnSpPr>
+        <p:spPr>
+          <a:xfrm flipV="1">
+            <a:off x="2516265" y="3563697"/>
+            <a:ext cx="2333881" cy="293000"/>
+          </a:xfrm>
+          <a:prstGeom prst="straightConnector1">
+            <a:avLst/>
+          </a:prstGeom>
+          <a:ln w="38100" cmpd="sng">
+            <a:solidFill>
+              <a:srgbClr val="3366FF"/>
+            </a:solidFill>
+            <a:tailEnd type="arrow"/>
+          </a:ln>
+        </p:spPr>
+        <p:style>
+          <a:lnRef idx="2">
+            <a:schemeClr val="accent1"/>
+          </a:lnRef>
+          <a:fillRef idx="0">
+            <a:schemeClr val="accent1"/>
+          </a:fillRef>
+          <a:effectRef idx="1">
+            <a:schemeClr val="accent1"/>
+          </a:effectRef>
+          <a:fontRef idx="minor">
+            <a:schemeClr val="tx1"/>
+          </a:fontRef>
+        </p:style>
+      </p:cxnSp>
+      <p:cxnSp>
+        <p:nvCxnSpPr>
+          <p:cNvPr id="8" name="Straight Arrow Connector 7"/>
+          <p:cNvCxnSpPr/>
+          <p:nvPr/>
+        </p:nvCxnSpPr>
+        <p:spPr>
+          <a:xfrm>
+            <a:off x="2516265" y="3575735"/>
+            <a:ext cx="3226957" cy="552406"/>
+          </a:xfrm>
+          <a:prstGeom prst="straightConnector1">
+            <a:avLst/>
+          </a:prstGeom>
+          <a:ln w="38100" cmpd="sng">
+            <a:solidFill>
+              <a:srgbClr val="3366FF"/>
+            </a:solidFill>
+            <a:tailEnd type="arrow"/>
+          </a:ln>
+        </p:spPr>
+        <p:style>
+          <a:lnRef idx="2">
+            <a:schemeClr val="accent1"/>
+          </a:lnRef>
+          <a:fillRef idx="0">
+            <a:schemeClr val="accent1"/>
+          </a:fillRef>
+          <a:effectRef idx="1">
+            <a:schemeClr val="accent1"/>
+          </a:effectRef>
+          <a:fontRef idx="minor">
+            <a:schemeClr val="tx1"/>
+          </a:fontRef>
+        </p:style>
+      </p:cxnSp>
+    </p:spTree>
+    <p:extLst>
+      <p:ext uri="{BB962C8B-B14F-4D97-AF65-F5344CB8AC3E}">
+        <p14:creationId xmlns:p14="http://schemas.microsoft.com/office/powerpoint/2010/main" val="2697420171"/>
+      </p:ext>
+    </p:extLst>
+  </p:cSld>
+  <p:clrMapOvr>
+    <a:masterClrMapping/>
+  </p:clrMapOvr>
+  <p:timing>
+    <p:tnLst>
+      <p:par>
+        <p:cTn xmlns:p14="http://schemas.microsoft.com/office/powerpoint/2010/main" id="1" dur="indefinite" restart="never" nodeType="tmRoot">
+          <p:childTnLst>
+            <p:seq concurrent="1" nextAc="seek">
+              <p:cTn id="2" dur="indefinite" nodeType="mainSeq">
+                <p:childTnLst>
+                  <p:par>
+                    <p:cTn id="3" fill="hold">
+                      <p:stCondLst>
+                        <p:cond delay="indefinite"/>
+                        <p:cond evt="onBegin" delay="0">
+                          <p:tn val="2"/>
+                        </p:cond>
+                      </p:stCondLst>
+                      <p:childTnLst>
+                        <p:par>
+                          <p:cTn id="4" fill="hold">
+                            <p:stCondLst>
+                              <p:cond delay="0"/>
+                            </p:stCondLst>
+                            <p:childTnLst>
+                              <p:par>
+                                <p:cTn id="5" presetID="1" presetClass="entr" presetSubtype="0" fill="hold" nodeType="withEffect">
+                                  <p:stCondLst>
+                                    <p:cond delay="0"/>
+                                  </p:stCondLst>
+                                  <p:childTnLst>
+                                    <p:set>
+                                      <p:cBhvr>
+                                        <p:cTn id="6" dur="1" fill="hold">
+                                          <p:stCondLst>
+                                            <p:cond delay="0"/>
+                                          </p:stCondLst>
+                                        </p:cTn>
+                                        <p:tgtEl>
+                                          <p:spTgt spid="7"/>
+                                        </p:tgtEl>
+                                        <p:attrNameLst>
+                                          <p:attrName>style.visibility</p:attrName>
+                                        </p:attrNameLst>
+                                      </p:cBhvr>
+                                      <p:to>
+                                        <p:strVal val="visible"/>
+                                      </p:to>
+                                    </p:set>
+                                  </p:childTnLst>
+                                </p:cTn>
+                              </p:par>
+                              <p:par>
+                                <p:cTn id="7" presetID="1" presetClass="entr" presetSubtype="0" fill="hold" nodeType="withEffect">
+                                  <p:stCondLst>
+                                    <p:cond delay="0"/>
+                                  </p:stCondLst>
+                                  <p:childTnLst>
+                                    <p:set>
+                                      <p:cBhvr>
+                                        <p:cTn id="8" dur="1" fill="hold">
+                                          <p:stCondLst>
+                                            <p:cond delay="0"/>
+                                          </p:stCondLst>
+                                        </p:cTn>
+                                        <p:tgtEl>
+                                          <p:spTgt spid="8"/>
+                                        </p:tgtEl>
+                                        <p:attrNameLst>
+                                          <p:attrName>style.visibility</p:attrName>
+                                        </p:attrNameLst>
+                                      </p:cBhvr>
+                                      <p:to>
+                                        <p:strVal val="visible"/>
+                                      </p:to>
+                                    </p:set>
+                                  </p:childTnLst>
+                                </p:cTn>
+                              </p:par>
+                            </p:childTnLst>
+                          </p:cTn>
+                        </p:par>
+                      </p:childTnLst>
+                    </p:cTn>
+                  </p:par>
+                </p:childTnLst>
+              </p:cTn>
+              <p:prevCondLst>
+                <p:cond evt="onPrev" delay="0">
+                  <p:tgtEl>
+                    <p:sldTgt/>
+                  </p:tgtEl>
+                </p:cond>
+              </p:prevCondLst>
+              <p:nextCondLst>
+                <p:cond evt="onNext" delay="0">
+                  <p:tgtEl>
+                    <p:sldTgt/>
+                  </p:tgtEl>
+                </p:cond>
+              </p:nextCondLst>
+            </p:seq>
+          </p:childTnLst>
+        </p:cTn>
+      </p:par>
+    </p:tnLst>
+  </p:timing>
+</p:sld>
+</file>
+
+<file path=ppt/slides/slide12.xml><?xml version="1.0" encoding="utf-8"?>
 <p:sld xmlns:a="http://schemas.openxmlformats.org/drawingml/2006/main" xmlns:r="http://schemas.openxmlformats.org/officeDocument/2006/relationships" xmlns:p="http://schemas.openxmlformats.org/presentationml/2006/main">
   <p:cSld>
     <p:spTree>
@@ -6293,7 +6925,7 @@
           <a:graphicData uri="http://schemas.openxmlformats.org/presentationml/2006/ole">
             <mc:AlternateContent xmlns:mc="http://schemas.openxmlformats.org/markup-compatibility/2006">
               <mc:Choice xmlns:v="urn:schemas-microsoft-com:vml" Requires="v">
-                <p:oleObj spid="_x0000_s1045" name="Equation" r:id="rId6" imgW="2781300" imgH="241300" progId="Equation.3">
+                <p:oleObj spid="_x0000_s1050" name="Equation" r:id="rId6" imgW="2781300" imgH="241300" progId="Equation.3">
                   <p:embed/>
                 </p:oleObj>
               </mc:Choice>
@@ -6361,7 +6993,7 @@
 </p:sld>
 </file>
 
-<file path=ppt/slides/slide11.xml><?xml version="1.0" encoding="utf-8"?>
+<file path=ppt/slides/slide13.xml><?xml version="1.0" encoding="utf-8"?>
 <p:sld xmlns:a="http://schemas.openxmlformats.org/drawingml/2006/main" xmlns:r="http://schemas.openxmlformats.org/officeDocument/2006/relationships" xmlns:p="http://schemas.openxmlformats.org/presentationml/2006/main">
   <p:cSld>
     <p:spTree>
@@ -6524,7 +7156,7 @@
 </p:sld>
 </file>
 
-<file path=ppt/slides/slide12.xml><?xml version="1.0" encoding="utf-8"?>
+<file path=ppt/slides/slide14.xml><?xml version="1.0" encoding="utf-8"?>
 <p:sld xmlns:a="http://schemas.openxmlformats.org/drawingml/2006/main" xmlns:r="http://schemas.openxmlformats.org/officeDocument/2006/relationships" xmlns:p="http://schemas.openxmlformats.org/presentationml/2006/main">
   <p:cSld>
     <p:spTree>
@@ -6951,7 +7583,7 @@
 </p:sld>
 </file>
 
-<file path=ppt/slides/slide13.xml><?xml version="1.0" encoding="utf-8"?>
+<file path=ppt/slides/slide15.xml><?xml version="1.0" encoding="utf-8"?>
 <p:sld xmlns:a="http://schemas.openxmlformats.org/drawingml/2006/main" xmlns:r="http://schemas.openxmlformats.org/officeDocument/2006/relationships" xmlns:p="http://schemas.openxmlformats.org/presentationml/2006/main">
   <p:cSld>
     <p:spTree>
@@ -7106,7 +7738,7 @@
 </p:sld>
 </file>
 
-<file path=ppt/slides/slide14.xml><?xml version="1.0" encoding="utf-8"?>
+<file path=ppt/slides/slide16.xml><?xml version="1.0" encoding="utf-8"?>
 <p:sld xmlns:a="http://schemas.openxmlformats.org/drawingml/2006/main" xmlns:r="http://schemas.openxmlformats.org/officeDocument/2006/relationships" xmlns:p="http://schemas.openxmlformats.org/presentationml/2006/main">
   <p:cSld>
     <p:spTree>
@@ -7422,7 +8054,7 @@
 </p:sld>
 </file>
 
-<file path=ppt/slides/slide15.xml><?xml version="1.0" encoding="utf-8"?>
+<file path=ppt/slides/slide17.xml><?xml version="1.0" encoding="utf-8"?>
 <p:sld xmlns:a="http://schemas.openxmlformats.org/drawingml/2006/main" xmlns:r="http://schemas.openxmlformats.org/officeDocument/2006/relationships" xmlns:p="http://schemas.openxmlformats.org/presentationml/2006/main">
   <p:cSld>
     <p:spTree>
@@ -7489,7 +8121,7 @@
 </p:sld>
 </file>
 
-<file path=ppt/slides/slide16.xml><?xml version="1.0" encoding="utf-8"?>
+<file path=ppt/slides/slide18.xml><?xml version="1.0" encoding="utf-8"?>
 <p:sld xmlns:a="http://schemas.openxmlformats.org/drawingml/2006/main" xmlns:r="http://schemas.openxmlformats.org/officeDocument/2006/relationships" xmlns:p="http://schemas.openxmlformats.org/presentationml/2006/main">
   <p:cSld>
     <p:spTree>
@@ -7611,7 +8243,7 @@
 </p:sld>
 </file>
 
-<file path=ppt/slides/slide17.xml><?xml version="1.0" encoding="utf-8"?>
+<file path=ppt/slides/slide19.xml><?xml version="1.0" encoding="utf-8"?>
 <p:sld xmlns:a="http://schemas.openxmlformats.org/drawingml/2006/main" xmlns:r="http://schemas.openxmlformats.org/officeDocument/2006/relationships" xmlns:p="http://schemas.openxmlformats.org/presentationml/2006/main">
   <p:cSld>
     <p:spTree>
@@ -8081,7 +8713,76 @@
 </p:sld>
 </file>
 
-<file path=ppt/slides/slide18.xml><?xml version="1.0" encoding="utf-8"?>
+<file path=ppt/slides/slide2.xml><?xml version="1.0" encoding="utf-8"?>
+<p:sld xmlns:a="http://schemas.openxmlformats.org/drawingml/2006/main" xmlns:r="http://schemas.openxmlformats.org/officeDocument/2006/relationships" xmlns:p="http://schemas.openxmlformats.org/presentationml/2006/main">
+  <p:cSld>
+    <p:spTree>
+      <p:nvGrpSpPr>
+        <p:cNvPr id="1" name=""/>
+        <p:cNvGrpSpPr/>
+        <p:nvPr/>
+      </p:nvGrpSpPr>
+      <p:grpSpPr>
+        <a:xfrm>
+          <a:off x="0" y="0"/>
+          <a:ext cx="0" cy="0"/>
+          <a:chOff x="0" y="0"/>
+          <a:chExt cx="0" cy="0"/>
+        </a:xfrm>
+      </p:grpSpPr>
+      <p:sp>
+        <p:nvSpPr>
+          <p:cNvPr id="4" name="Content Placeholder 3"/>
+          <p:cNvSpPr>
+            <a:spLocks noGrp="1"/>
+          </p:cNvSpPr>
+          <p:nvPr>
+            <p:ph idx="1"/>
+          </p:nvPr>
+        </p:nvSpPr>
+        <p:spPr>
+          <a:xfrm>
+            <a:off x="457200" y="2913528"/>
+            <a:ext cx="8229600" cy="3563471"/>
+          </a:xfrm>
+        </p:spPr>
+        <p:txBody>
+          <a:bodyPr>
+            <a:normAutofit/>
+          </a:bodyPr>
+          <a:lstStyle/>
+          <a:p>
+            <a:pPr marL="0" indent="0" algn="ctr">
+              <a:buNone/>
+            </a:pPr>
+            <a:r>
+              <a:rPr lang="en-US" sz="3200" dirty="0"/>
+              <a:t>Lots of advantages to using regression….</a:t>
+            </a:r>
+          </a:p>
+        </p:txBody>
+      </p:sp>
+    </p:spTree>
+    <p:extLst>
+      <p:ext uri="{BB962C8B-B14F-4D97-AF65-F5344CB8AC3E}">
+        <p14:creationId xmlns:p14="http://schemas.microsoft.com/office/powerpoint/2010/main" val="3209330024"/>
+      </p:ext>
+    </p:extLst>
+  </p:cSld>
+  <p:clrMapOvr>
+    <a:masterClrMapping/>
+  </p:clrMapOvr>
+  <p:timing>
+    <p:tnLst>
+      <p:par>
+        <p:cTn xmlns:p14="http://schemas.microsoft.com/office/powerpoint/2010/main" id="1" dur="indefinite" restart="never" nodeType="tmRoot"/>
+      </p:par>
+    </p:tnLst>
+  </p:timing>
+</p:sld>
+</file>
+
+<file path=ppt/slides/slide20.xml><?xml version="1.0" encoding="utf-8"?>
 <p:sld xmlns:a="http://schemas.openxmlformats.org/drawingml/2006/main" xmlns:r="http://schemas.openxmlformats.org/officeDocument/2006/relationships" xmlns:p="http://schemas.openxmlformats.org/presentationml/2006/main">
   <p:cSld>
     <p:spTree>
@@ -8450,7 +9151,7 @@
 </p:sld>
 </file>
 
-<file path=ppt/slides/slide19.xml><?xml version="1.0" encoding="utf-8"?>
+<file path=ppt/slides/slide21.xml><?xml version="1.0" encoding="utf-8"?>
 <p:sld xmlns:a="http://schemas.openxmlformats.org/drawingml/2006/main" xmlns:r="http://schemas.openxmlformats.org/officeDocument/2006/relationships" xmlns:p="http://schemas.openxmlformats.org/presentationml/2006/main">
   <p:cSld>
     <p:spTree>
@@ -10443,76 +11144,7 @@
 </p:sld>
 </file>
 
-<file path=ppt/slides/slide2.xml><?xml version="1.0" encoding="utf-8"?>
-<p:sld xmlns:a="http://schemas.openxmlformats.org/drawingml/2006/main" xmlns:r="http://schemas.openxmlformats.org/officeDocument/2006/relationships" xmlns:p="http://schemas.openxmlformats.org/presentationml/2006/main">
-  <p:cSld>
-    <p:spTree>
-      <p:nvGrpSpPr>
-        <p:cNvPr id="1" name=""/>
-        <p:cNvGrpSpPr/>
-        <p:nvPr/>
-      </p:nvGrpSpPr>
-      <p:grpSpPr>
-        <a:xfrm>
-          <a:off x="0" y="0"/>
-          <a:ext cx="0" cy="0"/>
-          <a:chOff x="0" y="0"/>
-          <a:chExt cx="0" cy="0"/>
-        </a:xfrm>
-      </p:grpSpPr>
-      <p:sp>
-        <p:nvSpPr>
-          <p:cNvPr id="4" name="Content Placeholder 3"/>
-          <p:cNvSpPr>
-            <a:spLocks noGrp="1"/>
-          </p:cNvSpPr>
-          <p:nvPr>
-            <p:ph idx="1"/>
-          </p:nvPr>
-        </p:nvSpPr>
-        <p:spPr>
-          <a:xfrm>
-            <a:off x="457200" y="2913528"/>
-            <a:ext cx="8229600" cy="3563471"/>
-          </a:xfrm>
-        </p:spPr>
-        <p:txBody>
-          <a:bodyPr>
-            <a:normAutofit/>
-          </a:bodyPr>
-          <a:lstStyle/>
-          <a:p>
-            <a:pPr marL="0" indent="0" algn="ctr">
-              <a:buNone/>
-            </a:pPr>
-            <a:r>
-              <a:rPr lang="en-US" sz="3200" dirty="0"/>
-              <a:t>Lots of advantages to using regression….</a:t>
-            </a:r>
-          </a:p>
-        </p:txBody>
-      </p:sp>
-    </p:spTree>
-    <p:extLst>
-      <p:ext uri="{BB962C8B-B14F-4D97-AF65-F5344CB8AC3E}">
-        <p14:creationId xmlns:p14="http://schemas.microsoft.com/office/powerpoint/2010/main" val="3209330024"/>
-      </p:ext>
-    </p:extLst>
-  </p:cSld>
-  <p:clrMapOvr>
-    <a:masterClrMapping/>
-  </p:clrMapOvr>
-  <p:timing>
-    <p:tnLst>
-      <p:par>
-        <p:cTn xmlns:p14="http://schemas.microsoft.com/office/powerpoint/2010/main" id="1" dur="indefinite" restart="never" nodeType="tmRoot"/>
-      </p:par>
-    </p:tnLst>
-  </p:timing>
-</p:sld>
-</file>
-
-<file path=ppt/slides/slide20.xml><?xml version="1.0" encoding="utf-8"?>
+<file path=ppt/slides/slide22.xml><?xml version="1.0" encoding="utf-8"?>
 <p:sld xmlns:a="http://schemas.openxmlformats.org/drawingml/2006/main" xmlns:r="http://schemas.openxmlformats.org/officeDocument/2006/relationships" xmlns:p="http://schemas.openxmlformats.org/presentationml/2006/main">
   <p:cSld>
     <p:spTree>
@@ -10637,7 +11269,7 @@
 </p:sld>
 </file>
 
-<file path=ppt/slides/slide21.xml><?xml version="1.0" encoding="utf-8"?>
+<file path=ppt/slides/slide23.xml><?xml version="1.0" encoding="utf-8"?>
 <p:sld xmlns:a="http://schemas.openxmlformats.org/drawingml/2006/main" xmlns:r="http://schemas.openxmlformats.org/officeDocument/2006/relationships" xmlns:p="http://schemas.openxmlformats.org/presentationml/2006/main">
   <p:cSld>
     <p:spTree>
@@ -10853,7 +11485,7 @@
           <a:graphicData uri="http://schemas.openxmlformats.org/presentationml/2006/ole">
             <mc:AlternateContent xmlns:mc="http://schemas.openxmlformats.org/markup-compatibility/2006">
               <mc:Choice xmlns:v="urn:schemas-microsoft-com:vml" Requires="v">
-                <p:oleObj spid="_x0000_s45057" name="Equation" r:id="rId5" imgW="4889500" imgH="1308100" progId="Equation.3">
+                <p:oleObj spid="_x0000_s45062" name="Equation" r:id="rId5" imgW="4889500" imgH="1308100" progId="Equation.3">
                   <p:embed/>
                 </p:oleObj>
               </mc:Choice>
@@ -10989,7 +11621,7 @@
 </p:sld>
 </file>
 
-<file path=ppt/slides/slide22.xml><?xml version="1.0" encoding="utf-8"?>
+<file path=ppt/slides/slide24.xml><?xml version="1.0" encoding="utf-8"?>
 <p:sld xmlns:a="http://schemas.openxmlformats.org/drawingml/2006/main" xmlns:r="http://schemas.openxmlformats.org/officeDocument/2006/relationships" xmlns:p="http://schemas.openxmlformats.org/presentationml/2006/main">
   <p:cSld>
     <p:spTree>
@@ -11294,7 +11926,7 @@
 </p:sld>
 </file>
 
-<file path=ppt/slides/slide23.xml><?xml version="1.0" encoding="utf-8"?>
+<file path=ppt/slides/slide25.xml><?xml version="1.0" encoding="utf-8"?>
 <p:sld xmlns:a="http://schemas.openxmlformats.org/drawingml/2006/main" xmlns:r="http://schemas.openxmlformats.org/officeDocument/2006/relationships" xmlns:p="http://schemas.openxmlformats.org/presentationml/2006/main">
   <p:cSld>
     <p:spTree>
@@ -11488,7 +12120,7 @@
 </p:sld>
 </file>
 
-<file path=ppt/slides/slide24.xml><?xml version="1.0" encoding="utf-8"?>
+<file path=ppt/slides/slide26.xml><?xml version="1.0" encoding="utf-8"?>
 <p:sld xmlns:a="http://schemas.openxmlformats.org/drawingml/2006/main" xmlns:r="http://schemas.openxmlformats.org/officeDocument/2006/relationships" xmlns:p="http://schemas.openxmlformats.org/presentationml/2006/main">
   <p:cSld>
     <p:spTree>
@@ -12429,7 +13061,7 @@
           <a:graphicData uri="http://schemas.openxmlformats.org/presentationml/2006/ole">
             <mc:AlternateContent xmlns:mc="http://schemas.openxmlformats.org/markup-compatibility/2006">
               <mc:Choice xmlns:v="urn:schemas-microsoft-com:vml" Requires="v">
-                <p:oleObj spid="_x0000_s41051" name="Equation" r:id="rId4" imgW="114300" imgH="165100" progId="Equation.3">
+                <p:oleObj spid="_x0000_s41056" name="Equation" r:id="rId4" imgW="114300" imgH="165100" progId="Equation.3">
                   <p:embed/>
                 </p:oleObj>
               </mc:Choice>
@@ -12610,7 +13242,7 @@
           <a:graphicData uri="http://schemas.openxmlformats.org/presentationml/2006/ole">
             <mc:AlternateContent xmlns:mc="http://schemas.openxmlformats.org/markup-compatibility/2006">
               <mc:Choice xmlns:v="urn:schemas-microsoft-com:vml" Requires="v">
-                <p:oleObj spid="_x0000_s42075" name="Equation" r:id="rId5" imgW="114300" imgH="165100" progId="Equation.3">
+                <p:oleObj spid="_x0000_s42080" name="Equation" r:id="rId5" imgW="114300" imgH="165100" progId="Equation.3">
                   <p:embed/>
                 </p:oleObj>
               </mc:Choice>
@@ -12761,7 +13393,7 @@
           <a:graphicData uri="http://schemas.openxmlformats.org/presentationml/2006/ole">
             <mc:AlternateContent xmlns:mc="http://schemas.openxmlformats.org/markup-compatibility/2006">
               <mc:Choice xmlns:v="urn:schemas-microsoft-com:vml" Requires="v">
-                <p:oleObj spid="_x0000_s43099" name="Equation" r:id="rId5" imgW="114300" imgH="165100" progId="Equation.3">
+                <p:oleObj spid="_x0000_s43104" name="Equation" r:id="rId5" imgW="114300" imgH="165100" progId="Equation.3">
                   <p:embed/>
                 </p:oleObj>
               </mc:Choice>

--- a/Beginner/Strengths_of_IPMs/Strengths_of_IPMs.pptx
+++ b/Beginner/Strengths_of_IPMs/Strengths_of_IPMs.pptx
@@ -5,7 +5,7 @@
     <p:sldMasterId id="2147483960" r:id="rId1"/>
   </p:sldMasterIdLst>
   <p:notesMasterIdLst>
-    <p:notesMasterId r:id="rId28"/>
+    <p:notesMasterId r:id="rId29"/>
   </p:notesMasterIdLst>
   <p:sldIdLst>
     <p:sldId id="396" r:id="rId2"/>
@@ -13,27 +13,28 @@
     <p:sldId id="281" r:id="rId4"/>
     <p:sldId id="339" r:id="rId5"/>
     <p:sldId id="340" r:id="rId6"/>
-    <p:sldId id="354" r:id="rId7"/>
-    <p:sldId id="355" r:id="rId8"/>
-    <p:sldId id="356" r:id="rId9"/>
-    <p:sldId id="357" r:id="rId10"/>
-    <p:sldId id="402" r:id="rId11"/>
-    <p:sldId id="403" r:id="rId12"/>
-    <p:sldId id="393" r:id="rId13"/>
-    <p:sldId id="286" r:id="rId14"/>
-    <p:sldId id="394" r:id="rId15"/>
-    <p:sldId id="395" r:id="rId16"/>
-    <p:sldId id="360" r:id="rId17"/>
-    <p:sldId id="392" r:id="rId18"/>
-    <p:sldId id="332" r:id="rId19"/>
-    <p:sldId id="333" r:id="rId20"/>
-    <p:sldId id="334" r:id="rId21"/>
-    <p:sldId id="336" r:id="rId22"/>
-    <p:sldId id="401" r:id="rId23"/>
-    <p:sldId id="307" r:id="rId24"/>
-    <p:sldId id="399" r:id="rId25"/>
-    <p:sldId id="315" r:id="rId26"/>
-    <p:sldId id="400" r:id="rId27"/>
+    <p:sldId id="404" r:id="rId7"/>
+    <p:sldId id="354" r:id="rId8"/>
+    <p:sldId id="355" r:id="rId9"/>
+    <p:sldId id="356" r:id="rId10"/>
+    <p:sldId id="357" r:id="rId11"/>
+    <p:sldId id="402" r:id="rId12"/>
+    <p:sldId id="403" r:id="rId13"/>
+    <p:sldId id="393" r:id="rId14"/>
+    <p:sldId id="286" r:id="rId15"/>
+    <p:sldId id="394" r:id="rId16"/>
+    <p:sldId id="395" r:id="rId17"/>
+    <p:sldId id="360" r:id="rId18"/>
+    <p:sldId id="392" r:id="rId19"/>
+    <p:sldId id="332" r:id="rId20"/>
+    <p:sldId id="333" r:id="rId21"/>
+    <p:sldId id="334" r:id="rId22"/>
+    <p:sldId id="336" r:id="rId23"/>
+    <p:sldId id="401" r:id="rId24"/>
+    <p:sldId id="307" r:id="rId25"/>
+    <p:sldId id="399" r:id="rId26"/>
+    <p:sldId id="315" r:id="rId27"/>
+    <p:sldId id="400" r:id="rId28"/>
   </p:sldIdLst>
   <p:sldSz cx="9144000" cy="6858000" type="screen4x3"/>
   <p:notesSz cx="6858000" cy="9144000"/>
@@ -216,7 +217,7 @@
           </a:lstStyle>
           <a:p>
             <a:fld id="{3D70866F-E5E2-F84F-9C8D-AC4C017CAC63}" type="datetimeFigureOut">
-              <a:t>8/5/15</a:t>
+              <a:t>8/9/15</a:t>
             </a:fld>
             <a:endParaRPr lang="en-US"/>
           </a:p>
@@ -624,34 +625,35 @@
           <a:bodyPr/>
           <a:lstStyle/>
           <a:p>
-            <a:pPr marL="0" marR="0" indent="0" algn="l" defTabSz="457200" rtl="0" eaLnBrk="1" fontAlgn="auto" latinLnBrk="0" hangingPunct="1">
-              <a:lnSpc>
-                <a:spcPct val="100000"/>
-              </a:lnSpc>
-              <a:spcBef>
-                <a:spcPts val="0"/>
-              </a:spcBef>
-              <a:spcAft>
-                <a:spcPts val="0"/>
-              </a:spcAft>
-              <a:buClrTx/>
-              <a:buSzTx/>
-              <a:buFontTx/>
-              <a:buNone/>
-              <a:tabLst/>
-              <a:defRPr/>
-            </a:pPr>
+            <a:r>
+              <a:rPr lang="en-US" b="1" dirty="0"/>
+              <a:t>-relatedly, we can </a:t>
+            </a:r>
             <a:r>
               <a:rPr lang="en-US" b="1" dirty="0" smtClean="0"/>
-              <a:t>These</a:t>
-            </a:r>
-            <a:r>
-              <a:rPr lang="en-US" b="1" baseline="0" dirty="0" smtClean="0"/>
-              <a:t> are just regressions, so we can build them with environmental covariates and get different curves in different environments</a:t>
-            </a:r>
-          </a:p>
-          <a:p>
-            <a:endParaRPr lang="en-US" dirty="0"/>
+              <a:t>borrow </a:t>
+            </a:r>
+            <a:r>
+              <a:rPr lang="en-US" b="1" dirty="0"/>
+              <a:t>strength</a:t>
+            </a:r>
+            <a:r>
+              <a:rPr lang="en-US" b="1" baseline="0" dirty="0"/>
+              <a:t> across stages</a:t>
+            </a:r>
+          </a:p>
+          <a:p>
+            <a:r>
+              <a:rPr lang="en-US" b="1" baseline="0" dirty="0"/>
+              <a:t>- with a little knowldege of the species, often pretty clear what will happen in the middle</a:t>
+            </a:r>
+          </a:p>
+          <a:p>
+            <a:r>
+              <a:rPr lang="en-US" b="1" baseline="0" dirty="0"/>
+              <a:t>-less clear what should happen for larger sizes</a:t>
+            </a:r>
+            <a:endParaRPr lang="en-US" b="1" dirty="0"/>
           </a:p>
         </p:txBody>
       </p:sp>
@@ -670,9 +672,9 @@
           <a:bodyPr/>
           <a:lstStyle/>
           <a:p>
-            <a:fld id="{741D0BA4-1D49-1541-BDE8-F31CF13CF403}" type="slidenum">
+            <a:fld id="{5A084C09-802B-AA4D-A149-B4B9A2038697}" type="slidenum">
               <a:rPr lang="en-US"/>
-              <a:t>12</a:t>
+              <a:t>10</a:t>
             </a:fld>
             <a:endParaRPr lang="en-US" dirty="0"/>
           </a:p>
@@ -681,7 +683,7 @@
     </p:spTree>
     <p:extLst>
       <p:ext uri="{BB962C8B-B14F-4D97-AF65-F5344CB8AC3E}">
-        <p14:creationId xmlns:p14="http://schemas.microsoft.com/office/powerpoint/2010/main" val="2188846447"/>
+        <p14:creationId xmlns:p14="http://schemas.microsoft.com/office/powerpoint/2010/main" val="717032137"/>
       </p:ext>
     </p:extLst>
   </p:cSld>
@@ -735,42 +737,34 @@
           <a:bodyPr/>
           <a:lstStyle/>
           <a:p>
-            <a:r>
-              <a:rPr lang="en-US" b="1" dirty="0"/>
-              <a:t>-Possible because we use multivariate regressions</a:t>
-            </a:r>
-          </a:p>
-          <a:p>
-            <a:r>
-              <a:rPr lang="en-US" b="1" dirty="0"/>
-              <a:t>- Not enough data from any one of these populations, but together..</a:t>
-            </a:r>
+            <a:pPr marL="0" marR="0" indent="0" algn="l" defTabSz="457200" rtl="0" eaLnBrk="1" fontAlgn="auto" latinLnBrk="0" hangingPunct="1">
+              <a:lnSpc>
+                <a:spcPct val="100000"/>
+              </a:lnSpc>
+              <a:spcBef>
+                <a:spcPts val="0"/>
+              </a:spcBef>
+              <a:spcAft>
+                <a:spcPts val="0"/>
+              </a:spcAft>
+              <a:buClrTx/>
+              <a:buSzTx/>
+              <a:buFontTx/>
+              <a:buNone/>
+              <a:tabLst/>
+              <a:defRPr/>
+            </a:pPr>
+            <a:r>
+              <a:rPr lang="en-US" b="1" dirty="0" smtClean="0"/>
+              <a:t>These</a:t>
+            </a:r>
+            <a:r>
+              <a:rPr lang="en-US" b="1" baseline="0" dirty="0" smtClean="0"/>
+              <a:t> are just regressions, so we can build them with environmental covariates and get different curves in different environments</a:t>
+            </a:r>
+          </a:p>
+          <a:p>
             <a:endParaRPr lang="en-US" dirty="0"/>
-          </a:p>
-          <a:p>
-            <a:r>
-              <a:rPr lang="en-US" b="1" dirty="0"/>
-              <a:t>-Example: Protea demography – monitor populations across range</a:t>
-            </a:r>
-            <a:r>
-              <a:rPr lang="en-US" b="1" baseline="0" dirty="0"/>
-              <a:t>, use env covariates, map vital rates</a:t>
-            </a:r>
-          </a:p>
-          <a:p>
-            <a:r>
-              <a:rPr lang="en-US" b="1" baseline="0" dirty="0"/>
-              <a:t>-5-10 individuals/ population but 30 or so populations</a:t>
-            </a:r>
-          </a:p>
-          <a:p>
-            <a:endParaRPr lang="en-US" baseline="0" dirty="0"/>
-          </a:p>
-          <a:p>
-            <a:r>
-              <a:rPr lang="en-US" baseline="0" dirty="0"/>
-              <a:t>When is it better to use env in standard regression, and when is it better to make the slope/intercept hierarchical across plots and make those random terms related to the environment?</a:t>
-            </a:r>
           </a:p>
         </p:txBody>
       </p:sp>
@@ -789,7 +783,7 @@
           <a:bodyPr/>
           <a:lstStyle/>
           <a:p>
-            <a:fld id="{5A084C09-802B-AA4D-A149-B4B9A2038697}" type="slidenum">
+            <a:fld id="{741D0BA4-1D49-1541-BDE8-F31CF13CF403}" type="slidenum">
               <a:rPr lang="en-US"/>
               <a:t>13</a:t>
             </a:fld>
@@ -800,7 +794,7 @@
     </p:spTree>
     <p:extLst>
       <p:ext uri="{BB962C8B-B14F-4D97-AF65-F5344CB8AC3E}">
-        <p14:creationId xmlns:p14="http://schemas.microsoft.com/office/powerpoint/2010/main" val="3390022834"/>
+        <p14:creationId xmlns:p14="http://schemas.microsoft.com/office/powerpoint/2010/main" val="2188846447"/>
       </p:ext>
     </p:extLst>
   </p:cSld>
@@ -854,54 +848,42 @@
           <a:bodyPr/>
           <a:lstStyle/>
           <a:p>
-            <a:pPr marL="0" marR="0" indent="0" algn="l" defTabSz="457200" rtl="0" eaLnBrk="1" fontAlgn="auto" latinLnBrk="0" hangingPunct="1">
-              <a:lnSpc>
-                <a:spcPct val="100000"/>
-              </a:lnSpc>
-              <a:spcBef>
-                <a:spcPts val="0"/>
-              </a:spcBef>
-              <a:spcAft>
-                <a:spcPts val="0"/>
-              </a:spcAft>
-              <a:buClrTx/>
-              <a:buSzTx/>
-              <a:buFontTx/>
-              <a:buNone/>
-              <a:tabLst/>
-              <a:defRPr/>
-            </a:pPr>
-            <a:r>
-              <a:rPr lang="en-US" b="1" baseline="0" dirty="0" smtClean="0"/>
-              <a:t>Maps of these quantities are another, more mechanistic way of looking at habitat suitability.</a:t>
-            </a:r>
-            <a:endParaRPr lang="en-US" b="1" dirty="0" smtClean="0"/>
-          </a:p>
-          <a:p>
-            <a:pPr marL="0" marR="0" indent="0" algn="l" defTabSz="457200" rtl="0" eaLnBrk="1" fontAlgn="auto" latinLnBrk="0" hangingPunct="1">
-              <a:lnSpc>
-                <a:spcPct val="100000"/>
-              </a:lnSpc>
-              <a:spcBef>
-                <a:spcPts val="0"/>
-              </a:spcBef>
-              <a:spcAft>
-                <a:spcPts val="0"/>
-              </a:spcAft>
-              <a:buClrTx/>
-              <a:buSzTx/>
-              <a:buFontTx/>
-              <a:buNone/>
-              <a:tabLst/>
-              <a:defRPr/>
-            </a:pPr>
-            <a:r>
-              <a:rPr lang="en-US" b="1" dirty="0" smtClean="0"/>
-              <a:t>Passage time good for harvest size or burn</a:t>
-            </a:r>
-          </a:p>
-          <a:p>
-            <a:endParaRPr lang="en-US" b="1" dirty="0"/>
+            <a:r>
+              <a:rPr lang="en-US" b="1" dirty="0"/>
+              <a:t>-Possible because we use multivariate regressions</a:t>
+            </a:r>
+          </a:p>
+          <a:p>
+            <a:r>
+              <a:rPr lang="en-US" b="1" dirty="0"/>
+              <a:t>- Not enough data from any one of these populations, but together..</a:t>
+            </a:r>
+            <a:endParaRPr lang="en-US" dirty="0"/>
+          </a:p>
+          <a:p>
+            <a:r>
+              <a:rPr lang="en-US" b="1" dirty="0"/>
+              <a:t>-Example: Protea demography – monitor populations across range</a:t>
+            </a:r>
+            <a:r>
+              <a:rPr lang="en-US" b="1" baseline="0" dirty="0"/>
+              <a:t>, use env covariates, map vital rates</a:t>
+            </a:r>
+          </a:p>
+          <a:p>
+            <a:r>
+              <a:rPr lang="en-US" b="1" baseline="0" dirty="0"/>
+              <a:t>-5-10 individuals/ population but 30 or so populations</a:t>
+            </a:r>
+          </a:p>
+          <a:p>
+            <a:endParaRPr lang="en-US" baseline="0" dirty="0"/>
+          </a:p>
+          <a:p>
+            <a:r>
+              <a:rPr lang="en-US" baseline="0" dirty="0"/>
+              <a:t>When is it better to use env in standard regression, and when is it better to make the slope/intercept hierarchical across plots and make those random terms related to the environment?</a:t>
+            </a:r>
           </a:p>
         </p:txBody>
       </p:sp>
@@ -921,7 +903,7 @@
           <a:lstStyle/>
           <a:p>
             <a:fld id="{5A084C09-802B-AA4D-A149-B4B9A2038697}" type="slidenum">
-              <a:rPr lang="en-US" smtClean="0"/>
+              <a:rPr lang="en-US"/>
               <a:t>14</a:t>
             </a:fld>
             <a:endParaRPr lang="en-US" dirty="0"/>
@@ -931,7 +913,7 @@
     </p:spTree>
     <p:extLst>
       <p:ext uri="{BB962C8B-B14F-4D97-AF65-F5344CB8AC3E}">
-        <p14:creationId xmlns:p14="http://schemas.microsoft.com/office/powerpoint/2010/main" val="2885978491"/>
+        <p14:creationId xmlns:p14="http://schemas.microsoft.com/office/powerpoint/2010/main" val="3390022834"/>
       </p:ext>
     </p:extLst>
   </p:cSld>
@@ -985,25 +967,54 @@
           <a:bodyPr/>
           <a:lstStyle/>
           <a:p>
-            <a:r>
-              <a:rPr lang="en-US" dirty="0" smtClean="0"/>
-              <a:t>Temporal</a:t>
-            </a:r>
-            <a:r>
-              <a:rPr lang="en-US" baseline="0" dirty="0" smtClean="0"/>
-              <a:t> dynamics,</a:t>
-            </a:r>
-          </a:p>
-          <a:p>
-            <a:r>
-              <a:rPr lang="en-US" baseline="0" dirty="0" smtClean="0"/>
-              <a:t>Mechanistic, so we can </a:t>
-            </a:r>
-            <a:r>
-              <a:rPr lang="en-US" baseline="0" smtClean="0"/>
-              <a:t>extrapolate better</a:t>
-            </a:r>
-            <a:endParaRPr lang="en-US"/>
+            <a:pPr marL="0" marR="0" indent="0" algn="l" defTabSz="457200" rtl="0" eaLnBrk="1" fontAlgn="auto" latinLnBrk="0" hangingPunct="1">
+              <a:lnSpc>
+                <a:spcPct val="100000"/>
+              </a:lnSpc>
+              <a:spcBef>
+                <a:spcPts val="0"/>
+              </a:spcBef>
+              <a:spcAft>
+                <a:spcPts val="0"/>
+              </a:spcAft>
+              <a:buClrTx/>
+              <a:buSzTx/>
+              <a:buFontTx/>
+              <a:buNone/>
+              <a:tabLst/>
+              <a:defRPr/>
+            </a:pPr>
+            <a:r>
+              <a:rPr lang="en-US" b="1" baseline="0" dirty="0" smtClean="0"/>
+              <a:t>Maps of these quantities are another, more mechanistic way of looking at habitat suitability.</a:t>
+            </a:r>
+            <a:endParaRPr lang="en-US" b="1" dirty="0" smtClean="0"/>
+          </a:p>
+          <a:p>
+            <a:pPr marL="0" marR="0" indent="0" algn="l" defTabSz="457200" rtl="0" eaLnBrk="1" fontAlgn="auto" latinLnBrk="0" hangingPunct="1">
+              <a:lnSpc>
+                <a:spcPct val="100000"/>
+              </a:lnSpc>
+              <a:spcBef>
+                <a:spcPts val="0"/>
+              </a:spcBef>
+              <a:spcAft>
+                <a:spcPts val="0"/>
+              </a:spcAft>
+              <a:buClrTx/>
+              <a:buSzTx/>
+              <a:buFontTx/>
+              <a:buNone/>
+              <a:tabLst/>
+              <a:defRPr/>
+            </a:pPr>
+            <a:r>
+              <a:rPr lang="en-US" b="1" dirty="0" smtClean="0"/>
+              <a:t>Passage time good for harvest size or burn</a:t>
+            </a:r>
+          </a:p>
+          <a:p>
+            <a:endParaRPr lang="en-US" b="1" dirty="0"/>
           </a:p>
         </p:txBody>
       </p:sp>
@@ -1022,18 +1033,18 @@
           <a:bodyPr/>
           <a:lstStyle/>
           <a:p>
-            <a:fld id="{741D0BA4-1D49-1541-BDE8-F31CF13CF403}" type="slidenum">
+            <a:fld id="{5A084C09-802B-AA4D-A149-B4B9A2038697}" type="slidenum">
               <a:rPr lang="en-US" smtClean="0"/>
               <a:t>15</a:t>
             </a:fld>
-            <a:endParaRPr lang="en-US"/>
+            <a:endParaRPr lang="en-US" dirty="0"/>
           </a:p>
         </p:txBody>
       </p:sp>
     </p:spTree>
     <p:extLst>
       <p:ext uri="{BB962C8B-B14F-4D97-AF65-F5344CB8AC3E}">
-        <p14:creationId xmlns:p14="http://schemas.microsoft.com/office/powerpoint/2010/main" val="1043148469"/>
+        <p14:creationId xmlns:p14="http://schemas.microsoft.com/office/powerpoint/2010/main" val="2885978491"/>
       </p:ext>
     </p:extLst>
   </p:cSld>
@@ -1088,14 +1099,24 @@
           <a:lstStyle/>
           <a:p>
             <a:r>
-              <a:rPr lang="en-US" dirty="0"/>
-              <a:t>Can model survival</a:t>
-            </a:r>
-            <a:r>
-              <a:rPr lang="en-US" baseline="0" dirty="0"/>
-              <a:t> as a function of size, but can also model survival intercept as a function of environment</a:t>
-            </a:r>
-            <a:endParaRPr lang="en-US" dirty="0"/>
+              <a:rPr lang="en-US" dirty="0" smtClean="0"/>
+              <a:t>Temporal</a:t>
+            </a:r>
+            <a:r>
+              <a:rPr lang="en-US" baseline="0" dirty="0" smtClean="0"/>
+              <a:t> dynamics,</a:t>
+            </a:r>
+          </a:p>
+          <a:p>
+            <a:r>
+              <a:rPr lang="en-US" baseline="0" dirty="0" smtClean="0"/>
+              <a:t>Mechanistic, so we can </a:t>
+            </a:r>
+            <a:r>
+              <a:rPr lang="en-US" baseline="0" smtClean="0"/>
+              <a:t>extrapolate better</a:t>
+            </a:r>
+            <a:endParaRPr lang="en-US"/>
           </a:p>
         </p:txBody>
       </p:sp>
@@ -1115,17 +1136,17 @@
           <a:lstStyle/>
           <a:p>
             <a:fld id="{741D0BA4-1D49-1541-BDE8-F31CF13CF403}" type="slidenum">
-              <a:rPr lang="en-US"/>
+              <a:rPr lang="en-US" smtClean="0"/>
               <a:t>16</a:t>
             </a:fld>
-            <a:endParaRPr lang="en-US" dirty="0"/>
+            <a:endParaRPr lang="en-US"/>
           </a:p>
         </p:txBody>
       </p:sp>
     </p:spTree>
     <p:extLst>
       <p:ext uri="{BB962C8B-B14F-4D97-AF65-F5344CB8AC3E}">
-        <p14:creationId xmlns:p14="http://schemas.microsoft.com/office/powerpoint/2010/main" val="2640764868"/>
+        <p14:creationId xmlns:p14="http://schemas.microsoft.com/office/powerpoint/2010/main" val="1043148469"/>
       </p:ext>
     </p:extLst>
   </p:cSld>
@@ -1179,17 +1200,14 @@
           <a:bodyPr/>
           <a:lstStyle/>
           <a:p>
-            <a:pPr lvl="1">
-              <a:lnSpc>
-                <a:spcPct val="140000"/>
-              </a:lnSpc>
-            </a:pPr>
             <a:r>
               <a:rPr lang="en-US" dirty="0"/>
-              <a:t>Account for changes across all sizes simultaneously</a:t>
-            </a:r>
-          </a:p>
-          <a:p>
+              <a:t>Can model survival</a:t>
+            </a:r>
+            <a:r>
+              <a:rPr lang="en-US" baseline="0" dirty="0"/>
+              <a:t> as a function of size, but can also model survival intercept as a function of environment</a:t>
+            </a:r>
             <a:endParaRPr lang="en-US" dirty="0"/>
           </a:p>
         </p:txBody>
@@ -1211,7 +1229,7 @@
           <a:p>
             <a:fld id="{741D0BA4-1D49-1541-BDE8-F31CF13CF403}" type="slidenum">
               <a:rPr lang="en-US"/>
-              <a:t>23</a:t>
+              <a:t>17</a:t>
             </a:fld>
             <a:endParaRPr lang="en-US" dirty="0"/>
           </a:p>
@@ -1220,7 +1238,7 @@
     </p:spTree>
     <p:extLst>
       <p:ext uri="{BB962C8B-B14F-4D97-AF65-F5344CB8AC3E}">
-        <p14:creationId xmlns:p14="http://schemas.microsoft.com/office/powerpoint/2010/main" val="569865955"/>
+        <p14:creationId xmlns:p14="http://schemas.microsoft.com/office/powerpoint/2010/main" val="2640764868"/>
       </p:ext>
     </p:extLst>
   </p:cSld>
@@ -1274,6 +1292,101 @@
           <a:bodyPr/>
           <a:lstStyle/>
           <a:p>
+            <a:pPr lvl="1">
+              <a:lnSpc>
+                <a:spcPct val="140000"/>
+              </a:lnSpc>
+            </a:pPr>
+            <a:r>
+              <a:rPr lang="en-US" dirty="0"/>
+              <a:t>Account for changes across all sizes simultaneously</a:t>
+            </a:r>
+          </a:p>
+          <a:p>
+            <a:endParaRPr lang="en-US" dirty="0"/>
+          </a:p>
+        </p:txBody>
+      </p:sp>
+      <p:sp>
+        <p:nvSpPr>
+          <p:cNvPr id="4" name="Slide Number Placeholder 3"/>
+          <p:cNvSpPr>
+            <a:spLocks noGrp="1"/>
+          </p:cNvSpPr>
+          <p:nvPr>
+            <p:ph type="sldNum" sz="quarter" idx="10"/>
+          </p:nvPr>
+        </p:nvSpPr>
+        <p:spPr/>
+        <p:txBody>
+          <a:bodyPr/>
+          <a:lstStyle/>
+          <a:p>
+            <a:fld id="{741D0BA4-1D49-1541-BDE8-F31CF13CF403}" type="slidenum">
+              <a:rPr lang="en-US"/>
+              <a:t>24</a:t>
+            </a:fld>
+            <a:endParaRPr lang="en-US" dirty="0"/>
+          </a:p>
+        </p:txBody>
+      </p:sp>
+    </p:spTree>
+    <p:extLst>
+      <p:ext uri="{BB962C8B-B14F-4D97-AF65-F5344CB8AC3E}">
+        <p14:creationId xmlns:p14="http://schemas.microsoft.com/office/powerpoint/2010/main" val="569865955"/>
+      </p:ext>
+    </p:extLst>
+  </p:cSld>
+  <p:clrMapOvr>
+    <a:masterClrMapping/>
+  </p:clrMapOvr>
+</p:notes>
+</file>
+
+<file path=ppt/notesSlides/notesSlide17.xml><?xml version="1.0" encoding="utf-8"?>
+<p:notes xmlns:a="http://schemas.openxmlformats.org/drawingml/2006/main" xmlns:r="http://schemas.openxmlformats.org/officeDocument/2006/relationships" xmlns:p="http://schemas.openxmlformats.org/presentationml/2006/main">
+  <p:cSld>
+    <p:spTree>
+      <p:nvGrpSpPr>
+        <p:cNvPr id="1" name=""/>
+        <p:cNvGrpSpPr/>
+        <p:nvPr/>
+      </p:nvGrpSpPr>
+      <p:grpSpPr>
+        <a:xfrm>
+          <a:off x="0" y="0"/>
+          <a:ext cx="0" cy="0"/>
+          <a:chOff x="0" y="0"/>
+          <a:chExt cx="0" cy="0"/>
+        </a:xfrm>
+      </p:grpSpPr>
+      <p:sp>
+        <p:nvSpPr>
+          <p:cNvPr id="2" name="Slide Image Placeholder 1"/>
+          <p:cNvSpPr>
+            <a:spLocks noGrp="1" noRot="1" noChangeAspect="1"/>
+          </p:cNvSpPr>
+          <p:nvPr>
+            <p:ph type="sldImg"/>
+          </p:nvPr>
+        </p:nvSpPr>
+        <p:spPr/>
+      </p:sp>
+      <p:sp>
+        <p:nvSpPr>
+          <p:cNvPr id="3" name="Notes Placeholder 2"/>
+          <p:cNvSpPr>
+            <a:spLocks noGrp="1"/>
+          </p:cNvSpPr>
+          <p:nvPr>
+            <p:ph type="body" idx="1"/>
+          </p:nvPr>
+        </p:nvSpPr>
+        <p:spPr/>
+        <p:txBody>
+          <a:bodyPr/>
+          <a:lstStyle/>
+          <a:p>
             <a:pPr marL="0" marR="0" lvl="1" indent="0" algn="l" defTabSz="457200" rtl="0" eaLnBrk="1" fontAlgn="auto" latinLnBrk="0" hangingPunct="1">
               <a:lnSpc>
                 <a:spcPct val="100000"/>
@@ -1326,7 +1439,7 @@
           <a:p>
             <a:fld id="{741D0BA4-1D49-1541-BDE8-F31CF13CF403}" type="slidenum">
               <a:rPr lang="en-US"/>
-              <a:t>25</a:t>
+              <a:t>26</a:t>
             </a:fld>
             <a:endParaRPr lang="en-US" dirty="0"/>
           </a:p>
@@ -2421,34 +2534,73 @@
           <a:bodyPr/>
           <a:lstStyle/>
           <a:p>
+            <a:pPr marL="0" marR="0" indent="0" algn="l" defTabSz="457200" rtl="0" eaLnBrk="1" fontAlgn="auto" latinLnBrk="0" hangingPunct="1">
+              <a:lnSpc>
+                <a:spcPct val="100000"/>
+              </a:lnSpc>
+              <a:spcBef>
+                <a:spcPts val="0"/>
+              </a:spcBef>
+              <a:spcAft>
+                <a:spcPts val="0"/>
+              </a:spcAft>
+              <a:buClrTx/>
+              <a:buSzTx/>
+              <a:buFontTx/>
+              <a:buNone/>
+              <a:tabLst/>
+              <a:defRPr/>
+            </a:pPr>
             <a:r>
               <a:rPr lang="en-US" b="1" dirty="0"/>
-              <a:t>-relatedly, we can </a:t>
-            </a:r>
-            <a:r>
-              <a:rPr lang="en-US" b="1" dirty="0" smtClean="0"/>
-              <a:t>borrow </a:t>
-            </a:r>
+              <a:t>-Compared to matrix models, an ipm should produce more robust parameter estimates if more samples affect each parameter</a:t>
+            </a:r>
+          </a:p>
+          <a:p>
+            <a:pPr marL="0" marR="0" indent="0" algn="l" defTabSz="457200" rtl="0" eaLnBrk="1" fontAlgn="auto" latinLnBrk="0" hangingPunct="1">
+              <a:lnSpc>
+                <a:spcPct val="100000"/>
+              </a:lnSpc>
+              <a:spcBef>
+                <a:spcPts val="0"/>
+              </a:spcBef>
+              <a:spcAft>
+                <a:spcPts val="0"/>
+              </a:spcAft>
+              <a:buClrTx/>
+              <a:buSzTx/>
+              <a:buFontTx/>
+              <a:buNone/>
+              <a:tabLst/>
+              <a:defRPr/>
+            </a:pPr>
             <a:r>
               <a:rPr lang="en-US" b="1" dirty="0"/>
-              <a:t>strength</a:t>
+              <a:t>-If</a:t>
             </a:r>
             <a:r>
               <a:rPr lang="en-US" b="1" baseline="0" dirty="0"/>
-              <a:t> across stages</a:t>
-            </a:r>
-          </a:p>
-          <a:p>
-            <a:r>
-              <a:rPr lang="en-US" b="1" baseline="0" dirty="0"/>
-              <a:t>- with a little knowldege of the species, often pretty clear what will happen in the middle</a:t>
-            </a:r>
-          </a:p>
-          <a:p>
-            <a:r>
-              <a:rPr lang="en-US" b="1" baseline="0" dirty="0"/>
-              <a:t>-less clear what should happen for larger sizes</a:t>
-            </a:r>
+              <a:t> I used the background grid to discretize the model and make a matrix, I’d need 19 parameters, whereas an IPM does the same thing at heigher resolution with only 5 parameters</a:t>
+            </a:r>
+          </a:p>
+          <a:p>
+            <a:pPr marL="0" marR="0" indent="0" algn="l" defTabSz="457200" rtl="0" eaLnBrk="1" fontAlgn="auto" latinLnBrk="0" hangingPunct="1">
+              <a:lnSpc>
+                <a:spcPct val="100000"/>
+              </a:lnSpc>
+              <a:spcBef>
+                <a:spcPts val="0"/>
+              </a:spcBef>
+              <a:spcAft>
+                <a:spcPts val="0"/>
+              </a:spcAft>
+              <a:buClrTx/>
+              <a:buSzTx/>
+              <a:buFontTx/>
+              <a:buNone/>
+              <a:tabLst/>
+              <a:defRPr/>
+            </a:pPr>
             <a:endParaRPr lang="en-US" b="1" dirty="0"/>
           </a:p>
         </p:txBody>
@@ -2479,7 +2631,7 @@
     </p:spTree>
     <p:extLst>
       <p:ext uri="{BB962C8B-B14F-4D97-AF65-F5344CB8AC3E}">
-        <p14:creationId xmlns:p14="http://schemas.microsoft.com/office/powerpoint/2010/main" val="717032137"/>
+        <p14:creationId xmlns:p14="http://schemas.microsoft.com/office/powerpoint/2010/main" val="3104440262"/>
       </p:ext>
     </p:extLst>
   </p:cSld>
@@ -2677,7 +2829,7 @@
           <a:p>
             <a:fld id="{C8A432C8-69A7-458B-9684-2BFA64B31948}" type="datetime2">
               <a:rPr lang="en-US" smtClean="0"/>
-              <a:t>Wednesday, August 5, 15</a:t>
+              <a:t>Sunday, August 9, 15</a:t>
             </a:fld>
             <a:endParaRPr lang="en-US"/>
           </a:p>
@@ -2879,7 +3031,7 @@
           <a:p>
             <a:fld id="{8CC057FC-95B6-4D89-AFDA-ABA33EE921E5}" type="datetime2">
               <a:rPr lang="en-US" smtClean="0"/>
-              <a:t>Wednesday, August 5, 15</a:t>
+              <a:t>Sunday, August 9, 15</a:t>
             </a:fld>
             <a:endParaRPr lang="en-US"/>
           </a:p>
@@ -3056,7 +3208,7 @@
           <a:p>
             <a:fld id="{EC4549AC-EB31-477F-92A9-B1988E232878}" type="datetime2">
               <a:rPr lang="en-US" smtClean="0"/>
-              <a:t>Wednesday, August 5, 15</a:t>
+              <a:t>Sunday, August 9, 15</a:t>
             </a:fld>
             <a:endParaRPr lang="en-US"/>
           </a:p>
@@ -3223,7 +3375,7 @@
           <a:p>
             <a:fld id="{6396A3A3-94A6-4E5B-AF39-173ACA3E61CC}" type="datetime2">
               <a:rPr lang="en-US" smtClean="0"/>
-              <a:t>Wednesday, August 5, 15</a:t>
+              <a:t>Sunday, August 9, 15</a:t>
             </a:fld>
             <a:endParaRPr lang="en-US"/>
           </a:p>
@@ -3473,7 +3625,7 @@
           <a:p>
             <a:fld id="{9933D019-A32C-4EAD-B8E6-DBDA699692FD}" type="datetime2">
               <a:rPr lang="en-US" smtClean="0"/>
-              <a:t>Wednesday, August 5, 15</a:t>
+              <a:t>Sunday, August 9, 15</a:t>
             </a:fld>
             <a:endParaRPr lang="en-US"/>
           </a:p>
@@ -3793,7 +3945,7 @@
           <a:p>
             <a:fld id="{CCEBA98F-560C-4997-81C4-81D4D9187EAB}" type="datetime2">
               <a:rPr lang="en-US" smtClean="0"/>
-              <a:t>Wednesday, August 5, 15</a:t>
+              <a:t>Sunday, August 9, 15</a:t>
             </a:fld>
             <a:endParaRPr lang="en-US"/>
           </a:p>
@@ -4261,7 +4413,7 @@
           <a:p>
             <a:fld id="{150972B2-CA5C-437D-87D0-8081271A9E4B}" type="datetime2">
               <a:rPr lang="en-US" smtClean="0"/>
-              <a:t>Wednesday, August 5, 15</a:t>
+              <a:t>Sunday, August 9, 15</a:t>
             </a:fld>
             <a:endParaRPr lang="en-US"/>
           </a:p>
@@ -4411,7 +4563,7 @@
           <a:p>
             <a:fld id="{79CD4847-11EF-4466-A8AD-85CDB7B49118}" type="datetime2">
               <a:rPr lang="en-US" smtClean="0"/>
-              <a:t>Wednesday, August 5, 15</a:t>
+              <a:t>Sunday, August 9, 15</a:t>
             </a:fld>
             <a:endParaRPr lang="en-US"/>
           </a:p>
@@ -4503,7 +4655,7 @@
           <a:p>
             <a:fld id="{F168457A-3AB9-4880-8A0C-9F8524491207}" type="datetime2">
               <a:rPr lang="en-US" smtClean="0"/>
-              <a:t>Wednesday, August 5, 15</a:t>
+              <a:t>Sunday, August 9, 15</a:t>
             </a:fld>
             <a:endParaRPr lang="en-US"/>
           </a:p>
@@ -4779,7 +4931,7 @@
           <a:p>
             <a:fld id="{3FE976D3-5B7F-4300-ABED-C91F1B2AE209}" type="datetime2">
               <a:rPr lang="en-US" smtClean="0"/>
-              <a:t>Wednesday, August 5, 15</a:t>
+              <a:t>Sunday, August 9, 15</a:t>
             </a:fld>
             <a:endParaRPr lang="en-US"/>
           </a:p>
@@ -5086,7 +5238,7 @@
           <a:p>
             <a:fld id="{EBDC1E59-17DD-41CE-97CA-624A472382D4}" type="datetime2">
               <a:rPr lang="en-US" smtClean="0"/>
-              <a:t>Wednesday, August 5, 15</a:t>
+              <a:t>Sunday, August 9, 15</a:t>
             </a:fld>
             <a:endParaRPr lang="en-US"/>
           </a:p>
@@ -5386,7 +5538,7 @@
           <a:p>
             <a:fld id="{A80CB818-7379-467D-8E76-EF9D9074A26C}" type="datetime2">
               <a:rPr lang="en-US" smtClean="0"/>
-              <a:t>Wednesday, August 5, 15</a:t>
+              <a:t>Sunday, August 9, 15</a:t>
             </a:fld>
             <a:endParaRPr lang="en-US" dirty="0"/>
           </a:p>
@@ -6154,6 +6306,209 @@
           <a:chExt cx="0" cy="0"/>
         </a:xfrm>
       </p:grpSpPr>
+      <p:pic>
+        <p:nvPicPr>
+          <p:cNvPr id="6" name="Picture 5" descr="Screen Shot 2013-01-09 at 12.35.15 PM.png"/>
+          <p:cNvPicPr>
+            <a:picLocks noChangeAspect="1"/>
+          </p:cNvPicPr>
+          <p:nvPr/>
+        </p:nvPicPr>
+        <p:blipFill>
+          <a:blip r:embed="rId3">
+            <a:extLst>
+              <a:ext uri="{28A0092B-C50C-407E-A947-70E740481C1C}">
+                <a14:useLocalDpi xmlns:a14="http://schemas.microsoft.com/office/drawing/2010/main" val="0"/>
+              </a:ext>
+            </a:extLst>
+          </a:blip>
+          <a:stretch>
+            <a:fillRect/>
+          </a:stretch>
+        </p:blipFill>
+        <p:spPr>
+          <a:xfrm>
+            <a:off x="846614" y="1378910"/>
+            <a:ext cx="7813597" cy="5277536"/>
+          </a:xfrm>
+          <a:prstGeom prst="rect">
+            <a:avLst/>
+          </a:prstGeom>
+        </p:spPr>
+      </p:pic>
+      <p:cxnSp>
+        <p:nvCxnSpPr>
+          <p:cNvPr id="7" name="Straight Arrow Connector 6"/>
+          <p:cNvCxnSpPr/>
+          <p:nvPr/>
+        </p:nvCxnSpPr>
+        <p:spPr>
+          <a:xfrm flipV="1">
+            <a:off x="5200665" y="3507103"/>
+            <a:ext cx="0" cy="1068256"/>
+          </a:xfrm>
+          <a:prstGeom prst="straightConnector1">
+            <a:avLst/>
+          </a:prstGeom>
+          <a:ln w="76200" cmpd="sng">
+            <a:solidFill>
+              <a:srgbClr val="0000FF"/>
+            </a:solidFill>
+            <a:headEnd type="none"/>
+            <a:tailEnd type="triangle"/>
+          </a:ln>
+        </p:spPr>
+        <p:style>
+          <a:lnRef idx="2">
+            <a:schemeClr val="accent1"/>
+          </a:lnRef>
+          <a:fillRef idx="0">
+            <a:schemeClr val="accent1"/>
+          </a:fillRef>
+          <a:effectRef idx="1">
+            <a:schemeClr val="accent1"/>
+          </a:effectRef>
+          <a:fontRef idx="minor">
+            <a:schemeClr val="tx1"/>
+          </a:fontRef>
+        </p:style>
+      </p:cxnSp>
+      <p:sp>
+        <p:nvSpPr>
+          <p:cNvPr id="3" name="TextBox 2"/>
+          <p:cNvSpPr txBox="1"/>
+          <p:nvPr/>
+        </p:nvSpPr>
+        <p:spPr>
+          <a:xfrm>
+            <a:off x="5934303" y="4252193"/>
+            <a:ext cx="2357136" cy="830997"/>
+          </a:xfrm>
+          <a:prstGeom prst="rect">
+            <a:avLst/>
+          </a:prstGeom>
+          <a:solidFill>
+            <a:srgbClr val="898989"/>
+          </a:solidFill>
+          <a:ln w="38100" cmpd="sng">
+            <a:solidFill>
+              <a:schemeClr val="tx1"/>
+            </a:solidFill>
+          </a:ln>
+        </p:spPr>
+        <p:txBody>
+          <a:bodyPr wrap="none" rtlCol="0">
+            <a:spAutoFit/>
+          </a:bodyPr>
+          <a:lstStyle/>
+          <a:p>
+            <a:pPr algn="ctr"/>
+            <a:r>
+              <a:rPr lang="en-US" sz="2400" dirty="0" smtClean="0"/>
+              <a:t>Borrow strength </a:t>
+            </a:r>
+          </a:p>
+          <a:p>
+            <a:pPr algn="ctr"/>
+            <a:r>
+              <a:rPr lang="en-US" sz="2400" dirty="0" smtClean="0"/>
+              <a:t>across stages</a:t>
+            </a:r>
+            <a:endParaRPr lang="en-US" sz="2400" dirty="0"/>
+          </a:p>
+        </p:txBody>
+      </p:sp>
+      <p:sp>
+        <p:nvSpPr>
+          <p:cNvPr id="8" name="Title 1"/>
+          <p:cNvSpPr txBox="1">
+            <a:spLocks/>
+          </p:cNvSpPr>
+          <p:nvPr/>
+        </p:nvSpPr>
+        <p:spPr>
+          <a:xfrm>
+            <a:off x="609600" y="348225"/>
+            <a:ext cx="8229600" cy="990600"/>
+          </a:xfrm>
+          <a:prstGeom prst="rect">
+            <a:avLst/>
+          </a:prstGeom>
+        </p:spPr>
+        <p:txBody>
+          <a:bodyPr vert="horz" lIns="91440" tIns="45720" rIns="91440" bIns="45720" rtlCol="0" anchor="ctr">
+            <a:normAutofit/>
+          </a:bodyPr>
+          <a:lstStyle>
+            <a:lvl1pPr algn="l" defTabSz="914400" rtl="0" eaLnBrk="1" latinLnBrk="0" hangingPunct="1">
+              <a:spcBef>
+                <a:spcPct val="0"/>
+              </a:spcBef>
+              <a:buNone/>
+              <a:defRPr sz="4000" kern="1200" spc="-100" baseline="0">
+                <a:solidFill>
+                  <a:schemeClr val="tx2"/>
+                </a:solidFill>
+                <a:latin typeface="+mj-lt"/>
+                <a:ea typeface="+mj-ea"/>
+                <a:cs typeface="+mj-cs"/>
+              </a:defRPr>
+            </a:lvl1pPr>
+          </a:lstStyle>
+          <a:p>
+            <a:r>
+              <a:rPr lang="en-US" dirty="0" smtClean="0"/>
+              <a:t>Advantages of regression</a:t>
+            </a:r>
+            <a:endParaRPr lang="en-US" dirty="0"/>
+          </a:p>
+        </p:txBody>
+      </p:sp>
+    </p:spTree>
+    <p:extLst>
+      <p:ext uri="{BB962C8B-B14F-4D97-AF65-F5344CB8AC3E}">
+        <p14:creationId xmlns:p14="http://schemas.microsoft.com/office/powerpoint/2010/main" val="23462517"/>
+      </p:ext>
+    </p:extLst>
+  </p:cSld>
+  <p:clrMapOvr>
+    <a:masterClrMapping/>
+  </p:clrMapOvr>
+  <mc:AlternateContent xmlns:mc="http://schemas.openxmlformats.org/markup-compatibility/2006" xmlns:p14="http://schemas.microsoft.com/office/powerpoint/2010/main">
+    <mc:Choice Requires="p14">
+      <p:transition spd="slow" p14:dur="2000" advTm="31334"/>
+    </mc:Choice>
+    <mc:Fallback xmlns="">
+      <p:transition xmlns:p14="http://schemas.microsoft.com/office/powerpoint/2010/main" spd="slow" advTm="31334"/>
+    </mc:Fallback>
+  </mc:AlternateContent>
+  <p:timing>
+    <p:tnLst>
+      <p:par>
+        <p:cTn xmlns:p14="http://schemas.microsoft.com/office/powerpoint/2010/main" id="1" dur="indefinite" restart="never" nodeType="tmRoot"/>
+      </p:par>
+    </p:tnLst>
+  </p:timing>
+</p:sld>
+</file>
+
+<file path=ppt/slides/slide11.xml><?xml version="1.0" encoding="utf-8"?>
+<p:sld xmlns:a="http://schemas.openxmlformats.org/drawingml/2006/main" xmlns:r="http://schemas.openxmlformats.org/officeDocument/2006/relationships" xmlns:p="http://schemas.openxmlformats.org/presentationml/2006/main">
+  <p:cSld>
+    <p:spTree>
+      <p:nvGrpSpPr>
+        <p:cNvPr id="1" name=""/>
+        <p:cNvGrpSpPr/>
+        <p:nvPr/>
+      </p:nvGrpSpPr>
+      <p:grpSpPr>
+        <a:xfrm>
+          <a:off x="0" y="0"/>
+          <a:ext cx="0" cy="0"/>
+          <a:chOff x="0" y="0"/>
+          <a:chExt cx="0" cy="0"/>
+        </a:xfrm>
+      </p:grpSpPr>
       <p:sp>
         <p:nvSpPr>
           <p:cNvPr id="2" name="Title 1"/>
@@ -6256,7 +6611,7 @@
           <a:graphicData uri="http://schemas.openxmlformats.org/presentationml/2006/ole">
             <mc:AlternateContent xmlns:mc="http://schemas.openxmlformats.org/markup-compatibility/2006">
               <mc:Choice xmlns:v="urn:schemas-microsoft-com:vml" Requires="v">
-                <p:oleObj spid="_x0000_s46083" name="Equation" r:id="rId5" imgW="1651000" imgH="469900" progId="Equation.3">
+                <p:oleObj spid="_x0000_s46087" name="Equation" r:id="rId5" imgW="1651000" imgH="469900" progId="Equation.3">
                   <p:embed/>
                 </p:oleObj>
               </mc:Choice>
@@ -6306,10 +6661,17 @@
   <p:clrMapOvr>
     <a:masterClrMapping/>
   </p:clrMapOvr>
+  <p:timing>
+    <p:tnLst>
+      <p:par>
+        <p:cTn xmlns:p14="http://schemas.microsoft.com/office/powerpoint/2010/main" id="1" dur="indefinite" restart="never" nodeType="tmRoot"/>
+      </p:par>
+    </p:tnLst>
+  </p:timing>
 </p:sld>
 </file>
 
-<file path=ppt/slides/slide11.xml><?xml version="1.0" encoding="utf-8"?>
+<file path=ppt/slides/slide12.xml><?xml version="1.0" encoding="utf-8"?>
 <p:sld xmlns:a="http://schemas.openxmlformats.org/drawingml/2006/main" xmlns:r="http://schemas.openxmlformats.org/officeDocument/2006/relationships" xmlns:p="http://schemas.openxmlformats.org/presentationml/2006/main">
   <p:cSld>
     <p:spTree>
@@ -6414,8 +6776,8 @@
         </p:blipFill>
         <p:spPr>
           <a:xfrm>
-            <a:off x="3875774" y="2599939"/>
-            <a:ext cx="5185128" cy="2403090"/>
+            <a:off x="2718203" y="3328001"/>
+            <a:ext cx="6304864" cy="2922041"/>
           </a:xfrm>
           <a:prstGeom prst="rect">
             <a:avLst/>
@@ -6443,8 +6805,8 @@
         </p:blipFill>
         <p:spPr>
           <a:xfrm>
-            <a:off x="1272627" y="3180624"/>
-            <a:ext cx="1592094" cy="1822405"/>
+            <a:off x="222599" y="3180624"/>
+            <a:ext cx="2642122" cy="3024329"/>
           </a:xfrm>
           <a:prstGeom prst="rect">
             <a:avLst/>
@@ -6458,9 +6820,9 @@
           <p:nvPr/>
         </p:nvCxnSpPr>
         <p:spPr>
-          <a:xfrm flipV="1">
-            <a:off x="2516265" y="3563697"/>
-            <a:ext cx="2333881" cy="293000"/>
+          <a:xfrm>
+            <a:off x="2214317" y="3809777"/>
+            <a:ext cx="3525301" cy="1382450"/>
           </a:xfrm>
           <a:prstGeom prst="straightConnector1">
             <a:avLst/>
@@ -6495,8 +6857,8 @@
         </p:nvCxnSpPr>
         <p:spPr>
           <a:xfrm>
-            <a:off x="2516265" y="3575735"/>
-            <a:ext cx="3226957" cy="552406"/>
+            <a:off x="2214317" y="4283035"/>
+            <a:ext cx="1772869" cy="571617"/>
           </a:xfrm>
           <a:prstGeom prst="straightConnector1">
             <a:avLst/>
@@ -6641,7 +7003,7 @@
 </p:sld>
 </file>
 
-<file path=ppt/slides/slide12.xml><?xml version="1.0" encoding="utf-8"?>
+<file path=ppt/slides/slide13.xml><?xml version="1.0" encoding="utf-8"?>
 <p:sld xmlns:a="http://schemas.openxmlformats.org/drawingml/2006/main" xmlns:r="http://schemas.openxmlformats.org/officeDocument/2006/relationships" xmlns:p="http://schemas.openxmlformats.org/presentationml/2006/main">
   <p:cSld>
     <p:spTree>
@@ -6925,7 +7287,7 @@
           <a:graphicData uri="http://schemas.openxmlformats.org/presentationml/2006/ole">
             <mc:AlternateContent xmlns:mc="http://schemas.openxmlformats.org/markup-compatibility/2006">
               <mc:Choice xmlns:v="urn:schemas-microsoft-com:vml" Requires="v">
-                <p:oleObj spid="_x0000_s1050" name="Equation" r:id="rId6" imgW="2781300" imgH="241300" progId="Equation.3">
+                <p:oleObj spid="_x0000_s1054" name="Equation" r:id="rId6" imgW="2781300" imgH="241300" progId="Equation.3">
                   <p:embed/>
                 </p:oleObj>
               </mc:Choice>
@@ -6993,7 +7355,7 @@
 </p:sld>
 </file>
 
-<file path=ppt/slides/slide13.xml><?xml version="1.0" encoding="utf-8"?>
+<file path=ppt/slides/slide14.xml><?xml version="1.0" encoding="utf-8"?>
 <p:sld xmlns:a="http://schemas.openxmlformats.org/drawingml/2006/main" xmlns:r="http://schemas.openxmlformats.org/officeDocument/2006/relationships" xmlns:p="http://schemas.openxmlformats.org/presentationml/2006/main">
   <p:cSld>
     <p:spTree>
@@ -7156,7 +7518,7 @@
 </p:sld>
 </file>
 
-<file path=ppt/slides/slide14.xml><?xml version="1.0" encoding="utf-8"?>
+<file path=ppt/slides/slide15.xml><?xml version="1.0" encoding="utf-8"?>
 <p:sld xmlns:a="http://schemas.openxmlformats.org/drawingml/2006/main" xmlns:r="http://schemas.openxmlformats.org/officeDocument/2006/relationships" xmlns:p="http://schemas.openxmlformats.org/presentationml/2006/main">
   <p:cSld>
     <p:spTree>
@@ -7583,7 +7945,7 @@
 </p:sld>
 </file>
 
-<file path=ppt/slides/slide15.xml><?xml version="1.0" encoding="utf-8"?>
+<file path=ppt/slides/slide16.xml><?xml version="1.0" encoding="utf-8"?>
 <p:sld xmlns:a="http://schemas.openxmlformats.org/drawingml/2006/main" xmlns:r="http://schemas.openxmlformats.org/officeDocument/2006/relationships" xmlns:p="http://schemas.openxmlformats.org/presentationml/2006/main">
   <p:cSld>
     <p:spTree>
@@ -7738,7 +8100,7 @@
 </p:sld>
 </file>
 
-<file path=ppt/slides/slide16.xml><?xml version="1.0" encoding="utf-8"?>
+<file path=ppt/slides/slide17.xml><?xml version="1.0" encoding="utf-8"?>
 <p:sld xmlns:a="http://schemas.openxmlformats.org/drawingml/2006/main" xmlns:r="http://schemas.openxmlformats.org/officeDocument/2006/relationships" xmlns:p="http://schemas.openxmlformats.org/presentationml/2006/main">
   <p:cSld>
     <p:spTree>
@@ -8054,7 +8416,7 @@
 </p:sld>
 </file>
 
-<file path=ppt/slides/slide17.xml><?xml version="1.0" encoding="utf-8"?>
+<file path=ppt/slides/slide18.xml><?xml version="1.0" encoding="utf-8"?>
 <p:sld xmlns:a="http://schemas.openxmlformats.org/drawingml/2006/main" xmlns:r="http://schemas.openxmlformats.org/officeDocument/2006/relationships" xmlns:p="http://schemas.openxmlformats.org/presentationml/2006/main">
   <p:cSld>
     <p:spTree>
@@ -8121,7 +8483,7 @@
 </p:sld>
 </file>
 
-<file path=ppt/slides/slide18.xml><?xml version="1.0" encoding="utf-8"?>
+<file path=ppt/slides/slide19.xml><?xml version="1.0" encoding="utf-8"?>
 <p:sld xmlns:a="http://schemas.openxmlformats.org/drawingml/2006/main" xmlns:r="http://schemas.openxmlformats.org/officeDocument/2006/relationships" xmlns:p="http://schemas.openxmlformats.org/presentationml/2006/main">
   <p:cSld>
     <p:spTree>
@@ -8243,7 +8605,76 @@
 </p:sld>
 </file>
 
-<file path=ppt/slides/slide19.xml><?xml version="1.0" encoding="utf-8"?>
+<file path=ppt/slides/slide2.xml><?xml version="1.0" encoding="utf-8"?>
+<p:sld xmlns:a="http://schemas.openxmlformats.org/drawingml/2006/main" xmlns:r="http://schemas.openxmlformats.org/officeDocument/2006/relationships" xmlns:p="http://schemas.openxmlformats.org/presentationml/2006/main">
+  <p:cSld>
+    <p:spTree>
+      <p:nvGrpSpPr>
+        <p:cNvPr id="1" name=""/>
+        <p:cNvGrpSpPr/>
+        <p:nvPr/>
+      </p:nvGrpSpPr>
+      <p:grpSpPr>
+        <a:xfrm>
+          <a:off x="0" y="0"/>
+          <a:ext cx="0" cy="0"/>
+          <a:chOff x="0" y="0"/>
+          <a:chExt cx="0" cy="0"/>
+        </a:xfrm>
+      </p:grpSpPr>
+      <p:sp>
+        <p:nvSpPr>
+          <p:cNvPr id="4" name="Content Placeholder 3"/>
+          <p:cNvSpPr>
+            <a:spLocks noGrp="1"/>
+          </p:cNvSpPr>
+          <p:nvPr>
+            <p:ph idx="1"/>
+          </p:nvPr>
+        </p:nvSpPr>
+        <p:spPr>
+          <a:xfrm>
+            <a:off x="457200" y="2913528"/>
+            <a:ext cx="8229600" cy="3563471"/>
+          </a:xfrm>
+        </p:spPr>
+        <p:txBody>
+          <a:bodyPr>
+            <a:normAutofit/>
+          </a:bodyPr>
+          <a:lstStyle/>
+          <a:p>
+            <a:pPr marL="0" indent="0" algn="ctr">
+              <a:buNone/>
+            </a:pPr>
+            <a:r>
+              <a:rPr lang="en-US" sz="3200" dirty="0"/>
+              <a:t>Lots of advantages to using regression….</a:t>
+            </a:r>
+          </a:p>
+        </p:txBody>
+      </p:sp>
+    </p:spTree>
+    <p:extLst>
+      <p:ext uri="{BB962C8B-B14F-4D97-AF65-F5344CB8AC3E}">
+        <p14:creationId xmlns:p14="http://schemas.microsoft.com/office/powerpoint/2010/main" val="3209330024"/>
+      </p:ext>
+    </p:extLst>
+  </p:cSld>
+  <p:clrMapOvr>
+    <a:masterClrMapping/>
+  </p:clrMapOvr>
+  <p:timing>
+    <p:tnLst>
+      <p:par>
+        <p:cTn xmlns:p14="http://schemas.microsoft.com/office/powerpoint/2010/main" id="1" dur="indefinite" restart="never" nodeType="tmRoot"/>
+      </p:par>
+    </p:tnLst>
+  </p:timing>
+</p:sld>
+</file>
+
+<file path=ppt/slides/slide20.xml><?xml version="1.0" encoding="utf-8"?>
 <p:sld xmlns:a="http://schemas.openxmlformats.org/drawingml/2006/main" xmlns:r="http://schemas.openxmlformats.org/officeDocument/2006/relationships" xmlns:p="http://schemas.openxmlformats.org/presentationml/2006/main">
   <p:cSld>
     <p:spTree>
@@ -8713,76 +9144,7 @@
 </p:sld>
 </file>
 
-<file path=ppt/slides/slide2.xml><?xml version="1.0" encoding="utf-8"?>
-<p:sld xmlns:a="http://schemas.openxmlformats.org/drawingml/2006/main" xmlns:r="http://schemas.openxmlformats.org/officeDocument/2006/relationships" xmlns:p="http://schemas.openxmlformats.org/presentationml/2006/main">
-  <p:cSld>
-    <p:spTree>
-      <p:nvGrpSpPr>
-        <p:cNvPr id="1" name=""/>
-        <p:cNvGrpSpPr/>
-        <p:nvPr/>
-      </p:nvGrpSpPr>
-      <p:grpSpPr>
-        <a:xfrm>
-          <a:off x="0" y="0"/>
-          <a:ext cx="0" cy="0"/>
-          <a:chOff x="0" y="0"/>
-          <a:chExt cx="0" cy="0"/>
-        </a:xfrm>
-      </p:grpSpPr>
-      <p:sp>
-        <p:nvSpPr>
-          <p:cNvPr id="4" name="Content Placeholder 3"/>
-          <p:cNvSpPr>
-            <a:spLocks noGrp="1"/>
-          </p:cNvSpPr>
-          <p:nvPr>
-            <p:ph idx="1"/>
-          </p:nvPr>
-        </p:nvSpPr>
-        <p:spPr>
-          <a:xfrm>
-            <a:off x="457200" y="2913528"/>
-            <a:ext cx="8229600" cy="3563471"/>
-          </a:xfrm>
-        </p:spPr>
-        <p:txBody>
-          <a:bodyPr>
-            <a:normAutofit/>
-          </a:bodyPr>
-          <a:lstStyle/>
-          <a:p>
-            <a:pPr marL="0" indent="0" algn="ctr">
-              <a:buNone/>
-            </a:pPr>
-            <a:r>
-              <a:rPr lang="en-US" sz="3200" dirty="0"/>
-              <a:t>Lots of advantages to using regression….</a:t>
-            </a:r>
-          </a:p>
-        </p:txBody>
-      </p:sp>
-    </p:spTree>
-    <p:extLst>
-      <p:ext uri="{BB962C8B-B14F-4D97-AF65-F5344CB8AC3E}">
-        <p14:creationId xmlns:p14="http://schemas.microsoft.com/office/powerpoint/2010/main" val="3209330024"/>
-      </p:ext>
-    </p:extLst>
-  </p:cSld>
-  <p:clrMapOvr>
-    <a:masterClrMapping/>
-  </p:clrMapOvr>
-  <p:timing>
-    <p:tnLst>
-      <p:par>
-        <p:cTn xmlns:p14="http://schemas.microsoft.com/office/powerpoint/2010/main" id="1" dur="indefinite" restart="never" nodeType="tmRoot"/>
-      </p:par>
-    </p:tnLst>
-  </p:timing>
-</p:sld>
-</file>
-
-<file path=ppt/slides/slide20.xml><?xml version="1.0" encoding="utf-8"?>
+<file path=ppt/slides/slide21.xml><?xml version="1.0" encoding="utf-8"?>
 <p:sld xmlns:a="http://schemas.openxmlformats.org/drawingml/2006/main" xmlns:r="http://schemas.openxmlformats.org/officeDocument/2006/relationships" xmlns:p="http://schemas.openxmlformats.org/presentationml/2006/main">
   <p:cSld>
     <p:spTree>
@@ -9151,7 +9513,7 @@
 </p:sld>
 </file>
 
-<file path=ppt/slides/slide21.xml><?xml version="1.0" encoding="utf-8"?>
+<file path=ppt/slides/slide22.xml><?xml version="1.0" encoding="utf-8"?>
 <p:sld xmlns:a="http://schemas.openxmlformats.org/drawingml/2006/main" xmlns:r="http://schemas.openxmlformats.org/officeDocument/2006/relationships" xmlns:p="http://schemas.openxmlformats.org/presentationml/2006/main">
   <p:cSld>
     <p:spTree>
@@ -11144,7 +11506,7 @@
 </p:sld>
 </file>
 
-<file path=ppt/slides/slide22.xml><?xml version="1.0" encoding="utf-8"?>
+<file path=ppt/slides/slide23.xml><?xml version="1.0" encoding="utf-8"?>
 <p:sld xmlns:a="http://schemas.openxmlformats.org/drawingml/2006/main" xmlns:r="http://schemas.openxmlformats.org/officeDocument/2006/relationships" xmlns:p="http://schemas.openxmlformats.org/presentationml/2006/main">
   <p:cSld>
     <p:spTree>
@@ -11269,7 +11631,7 @@
 </p:sld>
 </file>
 
-<file path=ppt/slides/slide23.xml><?xml version="1.0" encoding="utf-8"?>
+<file path=ppt/slides/slide24.xml><?xml version="1.0" encoding="utf-8"?>
 <p:sld xmlns:a="http://schemas.openxmlformats.org/drawingml/2006/main" xmlns:r="http://schemas.openxmlformats.org/officeDocument/2006/relationships" xmlns:p="http://schemas.openxmlformats.org/presentationml/2006/main">
   <p:cSld>
     <p:spTree>
@@ -11485,7 +11847,7 @@
           <a:graphicData uri="http://schemas.openxmlformats.org/presentationml/2006/ole">
             <mc:AlternateContent xmlns:mc="http://schemas.openxmlformats.org/markup-compatibility/2006">
               <mc:Choice xmlns:v="urn:schemas-microsoft-com:vml" Requires="v">
-                <p:oleObj spid="_x0000_s45062" name="Equation" r:id="rId5" imgW="4889500" imgH="1308100" progId="Equation.3">
+                <p:oleObj spid="_x0000_s45066" name="Equation" r:id="rId5" imgW="4889500" imgH="1308100" progId="Equation.3">
                   <p:embed/>
                 </p:oleObj>
               </mc:Choice>
@@ -11621,7 +11983,7 @@
 </p:sld>
 </file>
 
-<file path=ppt/slides/slide24.xml><?xml version="1.0" encoding="utf-8"?>
+<file path=ppt/slides/slide25.xml><?xml version="1.0" encoding="utf-8"?>
 <p:sld xmlns:a="http://schemas.openxmlformats.org/drawingml/2006/main" xmlns:r="http://schemas.openxmlformats.org/officeDocument/2006/relationships" xmlns:p="http://schemas.openxmlformats.org/presentationml/2006/main">
   <p:cSld>
     <p:spTree>
@@ -11926,7 +12288,7 @@
 </p:sld>
 </file>
 
-<file path=ppt/slides/slide25.xml><?xml version="1.0" encoding="utf-8"?>
+<file path=ppt/slides/slide26.xml><?xml version="1.0" encoding="utf-8"?>
 <p:sld xmlns:a="http://schemas.openxmlformats.org/drawingml/2006/main" xmlns:r="http://schemas.openxmlformats.org/officeDocument/2006/relationships" xmlns:p="http://schemas.openxmlformats.org/presentationml/2006/main">
   <p:cSld>
     <p:spTree>
@@ -12120,7 +12482,7 @@
 </p:sld>
 </file>
 
-<file path=ppt/slides/slide26.xml><?xml version="1.0" encoding="utf-8"?>
+<file path=ppt/slides/slide27.xml><?xml version="1.0" encoding="utf-8"?>
 <p:sld xmlns:a="http://schemas.openxmlformats.org/drawingml/2006/main" xmlns:r="http://schemas.openxmlformats.org/officeDocument/2006/relationships" xmlns:p="http://schemas.openxmlformats.org/presentationml/2006/main">
   <p:cSld>
     <p:spTree>
@@ -13039,6 +13401,169 @@
           <a:chExt cx="0" cy="0"/>
         </a:xfrm>
       </p:grpSpPr>
+      <p:sp>
+        <p:nvSpPr>
+          <p:cNvPr id="5" name="Content Placeholder 4"/>
+          <p:cNvSpPr>
+            <a:spLocks noGrp="1"/>
+          </p:cNvSpPr>
+          <p:nvPr>
+            <p:ph idx="1"/>
+          </p:nvPr>
+        </p:nvSpPr>
+        <p:spPr>
+          <a:xfrm>
+            <a:off x="457200" y="1698625"/>
+            <a:ext cx="8020050" cy="4619624"/>
+          </a:xfrm>
+        </p:spPr>
+        <p:txBody>
+          <a:bodyPr/>
+          <a:lstStyle/>
+          <a:p>
+            <a:pPr marL="0" indent="0">
+              <a:lnSpc>
+                <a:spcPct val="130000"/>
+              </a:lnSpc>
+              <a:buNone/>
+            </a:pPr>
+            <a:r>
+              <a:rPr lang="en-US" dirty="0"/>
+              <a:t>Lots of well-developed tools</a:t>
+            </a:r>
+          </a:p>
+          <a:p>
+            <a:pPr>
+              <a:lnSpc>
+                <a:spcPct val="130000"/>
+              </a:lnSpc>
+            </a:pPr>
+            <a:r>
+              <a:rPr lang="en-US" dirty="0"/>
+              <a:t>Goodness of fit diagnostics</a:t>
+            </a:r>
+          </a:p>
+          <a:p>
+            <a:pPr>
+              <a:lnSpc>
+                <a:spcPct val="130000"/>
+              </a:lnSpc>
+            </a:pPr>
+            <a:r>
+              <a:rPr lang="en-US" dirty="0"/>
+              <a:t>Model comparison</a:t>
+            </a:r>
+          </a:p>
+          <a:p>
+            <a:pPr>
+              <a:lnSpc>
+                <a:spcPct val="130000"/>
+              </a:lnSpc>
+            </a:pPr>
+            <a:r>
+              <a:rPr lang="en-US" dirty="0"/>
+              <a:t>Complex curves</a:t>
+            </a:r>
+          </a:p>
+        </p:txBody>
+      </p:sp>
+      <p:sp>
+        <p:nvSpPr>
+          <p:cNvPr id="2" name="Title 1"/>
+          <p:cNvSpPr>
+            <a:spLocks noGrp="1"/>
+          </p:cNvSpPr>
+          <p:nvPr>
+            <p:ph type="title"/>
+          </p:nvPr>
+        </p:nvSpPr>
+        <p:spPr/>
+        <p:txBody>
+          <a:bodyPr/>
+          <a:lstStyle/>
+          <a:p>
+            <a:r>
+              <a:rPr lang="en-US" dirty="0"/>
+              <a:t>Advantages of regression</a:t>
+            </a:r>
+          </a:p>
+        </p:txBody>
+      </p:sp>
+      <p:pic>
+        <p:nvPicPr>
+          <p:cNvPr id="4" name="Picture 3" descr="Screen Shot 2015-08-09 at 11.40.07 AM.png"/>
+          <p:cNvPicPr>
+            <a:picLocks noChangeAspect="1"/>
+          </p:cNvPicPr>
+          <p:nvPr/>
+        </p:nvPicPr>
+        <p:blipFill>
+          <a:blip r:embed="rId3">
+            <a:extLst>
+              <a:ext uri="{28A0092B-C50C-407E-A947-70E740481C1C}">
+                <a14:useLocalDpi xmlns:a14="http://schemas.microsoft.com/office/drawing/2010/main" val="0"/>
+              </a:ext>
+            </a:extLst>
+          </a:blip>
+          <a:stretch>
+            <a:fillRect/>
+          </a:stretch>
+        </p:blipFill>
+        <p:spPr>
+          <a:xfrm>
+            <a:off x="3309701" y="3630600"/>
+            <a:ext cx="5834299" cy="2831121"/>
+          </a:xfrm>
+          <a:prstGeom prst="rect">
+            <a:avLst/>
+          </a:prstGeom>
+        </p:spPr>
+      </p:pic>
+    </p:spTree>
+    <p:extLst>
+      <p:ext uri="{BB962C8B-B14F-4D97-AF65-F5344CB8AC3E}">
+        <p14:creationId xmlns:p14="http://schemas.microsoft.com/office/powerpoint/2010/main" val="2685681266"/>
+      </p:ext>
+    </p:extLst>
+  </p:cSld>
+  <p:clrMapOvr>
+    <a:masterClrMapping/>
+  </p:clrMapOvr>
+  <mc:AlternateContent xmlns:mc="http://schemas.openxmlformats.org/markup-compatibility/2006" xmlns:p14="http://schemas.microsoft.com/office/powerpoint/2010/main">
+    <mc:Choice Requires="p14">
+      <p:transition spd="slow" p14:dur="2000"/>
+    </mc:Choice>
+    <mc:Fallback xmlns="">
+      <p:transition xmlns:p14="http://schemas.microsoft.com/office/powerpoint/2010/main" spd="slow"/>
+    </mc:Fallback>
+  </mc:AlternateContent>
+  <p:timing>
+    <p:tnLst>
+      <p:par>
+        <p:cTn xmlns:p14="http://schemas.microsoft.com/office/powerpoint/2010/main" id="1" dur="indefinite" restart="never" nodeType="tmRoot"/>
+      </p:par>
+    </p:tnLst>
+  </p:timing>
+</p:sld>
+</file>
+
+<file path=ppt/slides/slide7.xml><?xml version="1.0" encoding="utf-8"?>
+<p:sld xmlns:a="http://schemas.openxmlformats.org/drawingml/2006/main" xmlns:r="http://schemas.openxmlformats.org/officeDocument/2006/relationships" xmlns:p="http://schemas.openxmlformats.org/presentationml/2006/main">
+  <p:cSld>
+    <p:spTree>
+      <p:nvGrpSpPr>
+        <p:cNvPr id="1" name=""/>
+        <p:cNvGrpSpPr/>
+        <p:nvPr/>
+      </p:nvGrpSpPr>
+      <p:grpSpPr>
+        <a:xfrm>
+          <a:off x="0" y="0"/>
+          <a:ext cx="0" cy="0"/>
+          <a:chOff x="0" y="0"/>
+          <a:chExt cx="0" cy="0"/>
+        </a:xfrm>
+      </p:grpSpPr>
       <p:graphicFrame>
         <p:nvGraphicFramePr>
           <p:cNvPr id="6" name="Object 5"/>
@@ -13061,7 +13586,7 @@
           <a:graphicData uri="http://schemas.openxmlformats.org/presentationml/2006/ole">
             <mc:AlternateContent xmlns:mc="http://schemas.openxmlformats.org/markup-compatibility/2006">
               <mc:Choice xmlns:v="urn:schemas-microsoft-com:vml" Requires="v">
-                <p:oleObj spid="_x0000_s41056" name="Equation" r:id="rId4" imgW="114300" imgH="165100" progId="Equation.3">
+                <p:oleObj spid="_x0000_s41060" name="Equation" r:id="rId4" imgW="114300" imgH="165100" progId="Equation.3">
                   <p:embed/>
                 </p:oleObj>
               </mc:Choice>
@@ -13173,7 +13698,7 @@
 </p:sld>
 </file>
 
-<file path=ppt/slides/slide7.xml><?xml version="1.0" encoding="utf-8"?>
+<file path=ppt/slides/slide8.xml><?xml version="1.0" encoding="utf-8"?>
 <p:sld xmlns:a="http://schemas.openxmlformats.org/drawingml/2006/main" xmlns:r="http://schemas.openxmlformats.org/officeDocument/2006/relationships" xmlns:p="http://schemas.openxmlformats.org/presentationml/2006/main">
   <p:cSld>
     <p:spTree>
@@ -13242,7 +13767,7 @@
           <a:graphicData uri="http://schemas.openxmlformats.org/presentationml/2006/ole">
             <mc:AlternateContent xmlns:mc="http://schemas.openxmlformats.org/markup-compatibility/2006">
               <mc:Choice xmlns:v="urn:schemas-microsoft-com:vml" Requires="v">
-                <p:oleObj spid="_x0000_s42080" name="Equation" r:id="rId5" imgW="114300" imgH="165100" progId="Equation.3">
+                <p:oleObj spid="_x0000_s42084" name="Equation" r:id="rId5" imgW="114300" imgH="165100" progId="Equation.3">
                   <p:embed/>
                 </p:oleObj>
               </mc:Choice>
@@ -13324,7 +13849,7 @@
 </p:sld>
 </file>
 
-<file path=ppt/slides/slide8.xml><?xml version="1.0" encoding="utf-8"?>
+<file path=ppt/slides/slide9.xml><?xml version="1.0" encoding="utf-8"?>
 <p:sld xmlns:a="http://schemas.openxmlformats.org/drawingml/2006/main" xmlns:r="http://schemas.openxmlformats.org/officeDocument/2006/relationships" xmlns:p="http://schemas.openxmlformats.org/presentationml/2006/main">
   <p:cSld>
     <p:spTree>
@@ -13393,7 +13918,7 @@
           <a:graphicData uri="http://schemas.openxmlformats.org/presentationml/2006/ole">
             <mc:AlternateContent xmlns:mc="http://schemas.openxmlformats.org/markup-compatibility/2006">
               <mc:Choice xmlns:v="urn:schemas-microsoft-com:vml" Requires="v">
-                <p:oleObj spid="_x0000_s43104" name="Equation" r:id="rId5" imgW="114300" imgH="165100" progId="Equation.3">
+                <p:oleObj spid="_x0000_s43108" name="Equation" r:id="rId5" imgW="114300" imgH="165100" progId="Equation.3">
                   <p:embed/>
                 </p:oleObj>
               </mc:Choice>
@@ -13554,209 +14079,6 @@
   <p:clrMapOvr>
     <a:masterClrMapping/>
   </p:clrMapOvr>
-  <p:timing>
-    <p:tnLst>
-      <p:par>
-        <p:cTn xmlns:p14="http://schemas.microsoft.com/office/powerpoint/2010/main" id="1" dur="indefinite" restart="never" nodeType="tmRoot"/>
-      </p:par>
-    </p:tnLst>
-  </p:timing>
-</p:sld>
-</file>
-
-<file path=ppt/slides/slide9.xml><?xml version="1.0" encoding="utf-8"?>
-<p:sld xmlns:a="http://schemas.openxmlformats.org/drawingml/2006/main" xmlns:r="http://schemas.openxmlformats.org/officeDocument/2006/relationships" xmlns:p="http://schemas.openxmlformats.org/presentationml/2006/main">
-  <p:cSld>
-    <p:spTree>
-      <p:nvGrpSpPr>
-        <p:cNvPr id="1" name=""/>
-        <p:cNvGrpSpPr/>
-        <p:nvPr/>
-      </p:nvGrpSpPr>
-      <p:grpSpPr>
-        <a:xfrm>
-          <a:off x="0" y="0"/>
-          <a:ext cx="0" cy="0"/>
-          <a:chOff x="0" y="0"/>
-          <a:chExt cx="0" cy="0"/>
-        </a:xfrm>
-      </p:grpSpPr>
-      <p:pic>
-        <p:nvPicPr>
-          <p:cNvPr id="6" name="Picture 5" descr="Screen Shot 2013-01-09 at 12.35.15 PM.png"/>
-          <p:cNvPicPr>
-            <a:picLocks noChangeAspect="1"/>
-          </p:cNvPicPr>
-          <p:nvPr/>
-        </p:nvPicPr>
-        <p:blipFill>
-          <a:blip r:embed="rId3">
-            <a:extLst>
-              <a:ext uri="{28A0092B-C50C-407E-A947-70E740481C1C}">
-                <a14:useLocalDpi xmlns:a14="http://schemas.microsoft.com/office/drawing/2010/main" val="0"/>
-              </a:ext>
-            </a:extLst>
-          </a:blip>
-          <a:stretch>
-            <a:fillRect/>
-          </a:stretch>
-        </p:blipFill>
-        <p:spPr>
-          <a:xfrm>
-            <a:off x="846614" y="1378910"/>
-            <a:ext cx="7813597" cy="5277536"/>
-          </a:xfrm>
-          <a:prstGeom prst="rect">
-            <a:avLst/>
-          </a:prstGeom>
-        </p:spPr>
-      </p:pic>
-      <p:cxnSp>
-        <p:nvCxnSpPr>
-          <p:cNvPr id="7" name="Straight Arrow Connector 6"/>
-          <p:cNvCxnSpPr/>
-          <p:nvPr/>
-        </p:nvCxnSpPr>
-        <p:spPr>
-          <a:xfrm flipV="1">
-            <a:off x="5200665" y="3507103"/>
-            <a:ext cx="0" cy="1068256"/>
-          </a:xfrm>
-          <a:prstGeom prst="straightConnector1">
-            <a:avLst/>
-          </a:prstGeom>
-          <a:ln w="76200" cmpd="sng">
-            <a:solidFill>
-              <a:srgbClr val="0000FF"/>
-            </a:solidFill>
-            <a:headEnd type="none"/>
-            <a:tailEnd type="triangle"/>
-          </a:ln>
-        </p:spPr>
-        <p:style>
-          <a:lnRef idx="2">
-            <a:schemeClr val="accent1"/>
-          </a:lnRef>
-          <a:fillRef idx="0">
-            <a:schemeClr val="accent1"/>
-          </a:fillRef>
-          <a:effectRef idx="1">
-            <a:schemeClr val="accent1"/>
-          </a:effectRef>
-          <a:fontRef idx="minor">
-            <a:schemeClr val="tx1"/>
-          </a:fontRef>
-        </p:style>
-      </p:cxnSp>
-      <p:sp>
-        <p:nvSpPr>
-          <p:cNvPr id="3" name="TextBox 2"/>
-          <p:cNvSpPr txBox="1"/>
-          <p:nvPr/>
-        </p:nvSpPr>
-        <p:spPr>
-          <a:xfrm>
-            <a:off x="5934303" y="4252193"/>
-            <a:ext cx="2357136" cy="830997"/>
-          </a:xfrm>
-          <a:prstGeom prst="rect">
-            <a:avLst/>
-          </a:prstGeom>
-          <a:solidFill>
-            <a:srgbClr val="898989"/>
-          </a:solidFill>
-          <a:ln w="38100" cmpd="sng">
-            <a:solidFill>
-              <a:schemeClr val="tx1"/>
-            </a:solidFill>
-          </a:ln>
-        </p:spPr>
-        <p:txBody>
-          <a:bodyPr wrap="none" rtlCol="0">
-            <a:spAutoFit/>
-          </a:bodyPr>
-          <a:lstStyle/>
-          <a:p>
-            <a:pPr algn="ctr"/>
-            <a:r>
-              <a:rPr lang="en-US" sz="2400" dirty="0" smtClean="0"/>
-              <a:t>Borrow strength </a:t>
-            </a:r>
-          </a:p>
-          <a:p>
-            <a:pPr algn="ctr"/>
-            <a:r>
-              <a:rPr lang="en-US" sz="2400" dirty="0" smtClean="0"/>
-              <a:t>across stages</a:t>
-            </a:r>
-            <a:endParaRPr lang="en-US" sz="2400" dirty="0"/>
-          </a:p>
-        </p:txBody>
-      </p:sp>
-      <p:sp>
-        <p:nvSpPr>
-          <p:cNvPr id="8" name="Title 1"/>
-          <p:cNvSpPr txBox="1">
-            <a:spLocks/>
-          </p:cNvSpPr>
-          <p:nvPr/>
-        </p:nvSpPr>
-        <p:spPr>
-          <a:xfrm>
-            <a:off x="609600" y="348225"/>
-            <a:ext cx="8229600" cy="990600"/>
-          </a:xfrm>
-          <a:prstGeom prst="rect">
-            <a:avLst/>
-          </a:prstGeom>
-        </p:spPr>
-        <p:txBody>
-          <a:bodyPr vert="horz" lIns="91440" tIns="45720" rIns="91440" bIns="45720" rtlCol="0" anchor="ctr">
-            <a:normAutofit/>
-          </a:bodyPr>
-          <a:lstStyle>
-            <a:lvl1pPr algn="l" defTabSz="914400" rtl="0" eaLnBrk="1" latinLnBrk="0" hangingPunct="1">
-              <a:spcBef>
-                <a:spcPct val="0"/>
-              </a:spcBef>
-              <a:buNone/>
-              <a:defRPr sz="4000" kern="1200" spc="-100" baseline="0">
-                <a:solidFill>
-                  <a:schemeClr val="tx2"/>
-                </a:solidFill>
-                <a:latin typeface="+mj-lt"/>
-                <a:ea typeface="+mj-ea"/>
-                <a:cs typeface="+mj-cs"/>
-              </a:defRPr>
-            </a:lvl1pPr>
-          </a:lstStyle>
-          <a:p>
-            <a:r>
-              <a:rPr lang="en-US" dirty="0" smtClean="0"/>
-              <a:t>Advantages of regression</a:t>
-            </a:r>
-            <a:endParaRPr lang="en-US" dirty="0"/>
-          </a:p>
-        </p:txBody>
-      </p:sp>
-    </p:spTree>
-    <p:extLst>
-      <p:ext uri="{BB962C8B-B14F-4D97-AF65-F5344CB8AC3E}">
-        <p14:creationId xmlns:p14="http://schemas.microsoft.com/office/powerpoint/2010/main" val="23462517"/>
-      </p:ext>
-    </p:extLst>
-  </p:cSld>
-  <p:clrMapOvr>
-    <a:masterClrMapping/>
-  </p:clrMapOvr>
-  <mc:AlternateContent xmlns:mc="http://schemas.openxmlformats.org/markup-compatibility/2006" xmlns:p14="http://schemas.microsoft.com/office/powerpoint/2010/main">
-    <mc:Choice Requires="p14">
-      <p:transition spd="slow" p14:dur="2000" advTm="31334"/>
-    </mc:Choice>
-    <mc:Fallback xmlns="">
-      <p:transition xmlns:p14="http://schemas.microsoft.com/office/powerpoint/2010/main" spd="slow" advTm="31334"/>
-    </mc:Fallback>
-  </mc:AlternateContent>
   <p:timing>
     <p:tnLst>
       <p:par>
